--- a/slides/Week 1 - data and distributions.pptx
+++ b/slides/Week 1 - data and distributions.pptx
@@ -5,40 +5,41 @@
     <p:sldMasterId id="2147483649" r:id="rId1"/>
   </p:sldMasterIdLst>
   <p:notesMasterIdLst>
-    <p:notesMasterId r:id="rId30"/>
+    <p:notesMasterId r:id="rId31"/>
   </p:notesMasterIdLst>
   <p:handoutMasterIdLst>
-    <p:handoutMasterId r:id="rId31"/>
+    <p:handoutMasterId r:id="rId32"/>
   </p:handoutMasterIdLst>
   <p:sldIdLst>
     <p:sldId id="256" r:id="rId2"/>
     <p:sldId id="295" r:id="rId3"/>
-    <p:sldId id="292" r:id="rId4"/>
-    <p:sldId id="293" r:id="rId5"/>
+    <p:sldId id="293" r:id="rId4"/>
+    <p:sldId id="298" r:id="rId5"/>
     <p:sldId id="257" r:id="rId6"/>
     <p:sldId id="282" r:id="rId7"/>
     <p:sldId id="284" r:id="rId8"/>
     <p:sldId id="281" r:id="rId9"/>
     <p:sldId id="294" r:id="rId10"/>
-    <p:sldId id="286" r:id="rId11"/>
-    <p:sldId id="285" r:id="rId12"/>
-    <p:sldId id="287" r:id="rId13"/>
-    <p:sldId id="275" r:id="rId14"/>
-    <p:sldId id="274" r:id="rId15"/>
-    <p:sldId id="276" r:id="rId16"/>
-    <p:sldId id="267" r:id="rId17"/>
-    <p:sldId id="296" r:id="rId18"/>
-    <p:sldId id="297" r:id="rId19"/>
-    <p:sldId id="273" r:id="rId20"/>
-    <p:sldId id="289" r:id="rId21"/>
-    <p:sldId id="288" r:id="rId22"/>
-    <p:sldId id="278" r:id="rId23"/>
-    <p:sldId id="277" r:id="rId24"/>
-    <p:sldId id="291" r:id="rId25"/>
-    <p:sldId id="280" r:id="rId26"/>
-    <p:sldId id="279" r:id="rId27"/>
-    <p:sldId id="266" r:id="rId28"/>
-    <p:sldId id="283" r:id="rId29"/>
+    <p:sldId id="299" r:id="rId11"/>
+    <p:sldId id="286" r:id="rId12"/>
+    <p:sldId id="285" r:id="rId13"/>
+    <p:sldId id="287" r:id="rId14"/>
+    <p:sldId id="275" r:id="rId15"/>
+    <p:sldId id="274" r:id="rId16"/>
+    <p:sldId id="276" r:id="rId17"/>
+    <p:sldId id="267" r:id="rId18"/>
+    <p:sldId id="296" r:id="rId19"/>
+    <p:sldId id="297" r:id="rId20"/>
+    <p:sldId id="273" r:id="rId21"/>
+    <p:sldId id="289" r:id="rId22"/>
+    <p:sldId id="288" r:id="rId23"/>
+    <p:sldId id="278" r:id="rId24"/>
+    <p:sldId id="277" r:id="rId25"/>
+    <p:sldId id="291" r:id="rId26"/>
+    <p:sldId id="280" r:id="rId27"/>
+    <p:sldId id="279" r:id="rId28"/>
+    <p:sldId id="266" r:id="rId29"/>
+    <p:sldId id="283" r:id="rId30"/>
   </p:sldIdLst>
   <p:sldSz cx="9144000" cy="6858000" type="screen4x3"/>
   <p:notesSz cx="6858000" cy="9144000"/>
@@ -3375,7 +3376,7 @@
             <a:fld id="{373F1B60-BDF4-4D63-AD79-99D5A5B1DF99}" type="datetime1">
               <a:rPr lang="en-US"/>
               <a:pPr/>
-              <a:t>11/18/2019</a:t>
+              <a:t>11/11/2020</a:t>
             </a:fld>
             <a:endParaRPr lang="en-US"/>
           </a:p>
@@ -3594,7 +3595,7 @@
             <a:fld id="{4387A7AA-DFE9-4771-BEDE-3294FCEBFB02}" type="datetime1">
               <a:rPr lang="en-US"/>
               <a:pPr/>
-              <a:t>11/18/2019</a:t>
+              <a:t>11/11/2020</a:t>
             </a:fld>
             <a:endParaRPr lang="en-US"/>
           </a:p>
@@ -3985,7 +3986,7 @@
             <a:fld id="{8541E2CD-DBF4-40F9-B6F8-EEFD0DF8A138}" type="datetime1">
               <a:rPr lang="en-US"/>
               <a:pPr/>
-              <a:t>11/18/2019</a:t>
+              <a:t>11/11/2020</a:t>
             </a:fld>
             <a:endParaRPr lang="en-US"/>
           </a:p>
@@ -4200,7 +4201,7 @@
             <a:fld id="{93F21019-3A00-48AC-9663-40DF67A83229}" type="datetime1">
               <a:rPr lang="en-US"/>
               <a:pPr/>
-              <a:t>11/18/2019</a:t>
+              <a:t>11/11/2020</a:t>
             </a:fld>
             <a:endParaRPr lang="en-US">
               <a:solidFill>
@@ -4386,7 +4387,7 @@
             <a:fld id="{8B2EF9C8-0AC3-4A53-9A61-1834A571F420}" type="datetime1">
               <a:rPr lang="en-US"/>
               <a:pPr/>
-              <a:t>11/18/2019</a:t>
+              <a:t>11/11/2020</a:t>
             </a:fld>
             <a:endParaRPr lang="en-US" sz="1400">
               <a:solidFill>
@@ -4583,7 +4584,7 @@
             <a:fld id="{F02960F3-A385-4905-A491-FDC17E063DD1}" type="datetime1">
               <a:rPr lang="en-US"/>
               <a:pPr/>
-              <a:t>11/18/2019</a:t>
+              <a:t>11/11/2020</a:t>
             </a:fld>
             <a:endParaRPr lang="en-US" sz="1400">
               <a:solidFill>
@@ -4842,7 +4843,7 @@
             <a:fld id="{CD3AD70A-8E2A-47B5-AC18-ABBB5A8E737D}" type="datetime1">
               <a:rPr lang="en-US"/>
               <a:pPr/>
-              <a:t>11/18/2019</a:t>
+              <a:t>11/11/2020</a:t>
             </a:fld>
             <a:endParaRPr lang="en-US" sz="1400">
               <a:solidFill>
@@ -5078,7 +5079,7 @@
             <a:fld id="{07008C2E-9BD6-496B-BFC3-B4A975EBC85E}" type="datetime1">
               <a:rPr lang="en-US"/>
               <a:pPr/>
-              <a:t>11/18/2019</a:t>
+              <a:t>11/11/2020</a:t>
             </a:fld>
             <a:endParaRPr lang="en-US" sz="1400">
               <a:solidFill>
@@ -5257,7 +5258,7 @@
             <a:fld id="{1AA2C3CF-866C-4FDE-B76D-4E9536901630}" type="datetime1">
               <a:rPr lang="en-US"/>
               <a:pPr/>
-              <a:t>11/18/2019</a:t>
+              <a:t>11/11/2020</a:t>
             </a:fld>
             <a:endParaRPr lang="en-US" sz="1400">
               <a:solidFill>
@@ -5436,7 +5437,7 @@
             <a:fld id="{555EE259-FE08-4558-B721-B189FFE77284}" type="datetime1">
               <a:rPr lang="en-US"/>
               <a:pPr/>
-              <a:t>11/18/2019</a:t>
+              <a:t>11/11/2020</a:t>
             </a:fld>
             <a:endParaRPr lang="en-US" sz="1400">
               <a:solidFill>
@@ -5705,7 +5706,7 @@
             <a:fld id="{0AF4064E-5624-49AB-B7C6-E301A8F6B1FF}" type="datetime1">
               <a:rPr lang="en-US"/>
               <a:pPr/>
-              <a:t>11/18/2019</a:t>
+              <a:t>11/11/2020</a:t>
             </a:fld>
             <a:endParaRPr lang="en-US" sz="1400">
               <a:solidFill>
@@ -5902,7 +5903,7 @@
             <a:fld id="{CBC97FCD-6C54-4833-B032-BFBCDFA8379D}" type="datetime1">
               <a:rPr lang="en-US"/>
               <a:pPr/>
-              <a:t>11/18/2019</a:t>
+              <a:t>11/11/2020</a:t>
             </a:fld>
             <a:endParaRPr lang="en-US" sz="1400">
               <a:solidFill>
@@ -6111,7 +6112,7 @@
             <a:fld id="{F04AA577-515A-431F-98B6-3B03494ABB11}" type="datetime1">
               <a:rPr lang="en-US"/>
               <a:pPr/>
-              <a:t>11/18/2019</a:t>
+              <a:t>11/11/2020</a:t>
             </a:fld>
             <a:endParaRPr lang="en-US" sz="1400">
               <a:solidFill>
@@ -6416,7 +6417,7 @@
             <a:fld id="{6475F1A4-C474-4345-A800-2F40B0E4E70C}" type="datetime1">
               <a:rPr lang="en-US"/>
               <a:pPr/>
-              <a:t>11/18/2019</a:t>
+              <a:t>11/11/2020</a:t>
             </a:fld>
             <a:endParaRPr lang="en-US" sz="1400">
               <a:solidFill>
@@ -6860,7 +6861,7 @@
             <a:fld id="{7BA535AB-820E-4207-9DA8-5F37106C7AF4}" type="datetime1">
               <a:rPr lang="en-US"/>
               <a:pPr/>
-              <a:t>11/18/2019</a:t>
+              <a:t>11/11/2020</a:t>
             </a:fld>
             <a:endParaRPr lang="en-US" sz="1400">
               <a:solidFill>
@@ -6995,7 +6996,7 @@
             <a:fld id="{0A7E69FA-D7EE-42C0-9117-1971B541885F}" type="datetime1">
               <a:rPr lang="en-US"/>
               <a:pPr/>
-              <a:t>11/18/2019</a:t>
+              <a:t>11/11/2020</a:t>
             </a:fld>
             <a:endParaRPr lang="en-US" sz="1400">
               <a:solidFill>
@@ -7107,7 +7108,7 @@
             <a:fld id="{10D7644E-1B5D-4325-BA79-338DF2B89B56}" type="datetime1">
               <a:rPr lang="en-US"/>
               <a:pPr/>
-              <a:t>11/18/2019</a:t>
+              <a:t>11/11/2020</a:t>
             </a:fld>
             <a:endParaRPr lang="en-US" sz="1400">
               <a:solidFill>
@@ -7401,7 +7402,7 @@
             <a:fld id="{B790C882-0B74-4932-8998-E9ABB8AF1740}" type="datetime1">
               <a:rPr lang="en-US"/>
               <a:pPr/>
-              <a:t>11/18/2019</a:t>
+              <a:t>11/11/2020</a:t>
             </a:fld>
             <a:endParaRPr lang="en-US" sz="1400">
               <a:solidFill>
@@ -7671,7 +7672,7 @@
             <a:fld id="{9DC585DC-AE7D-44C1-90AB-C3A391DEA065}" type="datetime1">
               <a:rPr lang="en-US"/>
               <a:pPr/>
-              <a:t>11/18/2019</a:t>
+              <a:t>11/11/2020</a:t>
             </a:fld>
             <a:endParaRPr lang="en-US" sz="1400">
               <a:solidFill>
@@ -7935,7 +7936,7 @@
             <a:fld id="{256CE565-1940-4E5F-9190-C0815CEAAA9D}" type="datetime1">
               <a:rPr lang="en-US"/>
               <a:pPr/>
-              <a:t>11/18/2019</a:t>
+              <a:t>11/11/2020</a:t>
             </a:fld>
             <a:endParaRPr lang="en-US"/>
           </a:p>
@@ -8692,6 +8693,291 @@
           <a:p>
             <a:r>
               <a:rPr lang="nl-NL" dirty="0" smtClean="0"/>
+              <a:t>AI research </a:t>
+            </a:r>
+            <a:r>
+              <a:rPr lang="nl-NL" dirty="0" err="1" smtClean="0"/>
+              <a:t>group</a:t>
+            </a:r>
+            <a:endParaRPr lang="nl-NL" dirty="0"/>
+          </a:p>
+        </p:txBody>
+      </p:sp>
+      <p:sp>
+        <p:nvSpPr>
+          <p:cNvPr id="3" name="Tijdelijke aanduiding voor inhoud 2"/>
+          <p:cNvSpPr>
+            <a:spLocks noGrp="1"/>
+          </p:cNvSpPr>
+          <p:nvPr>
+            <p:ph idx="1"/>
+          </p:nvPr>
+        </p:nvSpPr>
+        <p:spPr>
+          <a:xfrm>
+            <a:off x="762000" y="1762125"/>
+            <a:ext cx="7881938" cy="3231654"/>
+          </a:xfrm>
+        </p:spPr>
+        <p:txBody>
+          <a:bodyPr/>
+          <a:lstStyle/>
+          <a:p>
+            <a:r>
+              <a:rPr lang="nl-NL" sz="2000" dirty="0" smtClean="0"/>
+              <a:t>Partnership </a:t>
+            </a:r>
+            <a:r>
+              <a:rPr lang="nl-NL" sz="2000" dirty="0" err="1" smtClean="0"/>
+              <a:t>with</a:t>
+            </a:r>
+            <a:r>
+              <a:rPr lang="nl-NL" sz="2000" dirty="0" smtClean="0"/>
+              <a:t> research </a:t>
+            </a:r>
+            <a:r>
+              <a:rPr lang="nl-NL" sz="2000" dirty="0" err="1" smtClean="0"/>
+              <a:t>group</a:t>
+            </a:r>
+            <a:r>
+              <a:rPr lang="nl-NL" sz="2000" dirty="0" smtClean="0"/>
+              <a:t> on AI</a:t>
+            </a:r>
+          </a:p>
+          <a:p>
+            <a:endParaRPr lang="nl-NL" sz="2000" dirty="0" smtClean="0"/>
+          </a:p>
+          <a:p>
+            <a:r>
+              <a:rPr lang="nl-NL" sz="2000" dirty="0" err="1" smtClean="0"/>
+              <a:t>Possibility</a:t>
+            </a:r>
+            <a:r>
+              <a:rPr lang="nl-NL" sz="2000" dirty="0" smtClean="0"/>
+              <a:t> for a small </a:t>
+            </a:r>
+            <a:r>
+              <a:rPr lang="nl-NL" sz="2000" dirty="0" err="1" smtClean="0"/>
+              <a:t>number</a:t>
+            </a:r>
+            <a:r>
+              <a:rPr lang="nl-NL" sz="2000" dirty="0"/>
+              <a:t> </a:t>
+            </a:r>
+            <a:r>
+              <a:rPr lang="nl-NL" sz="2000" dirty="0" smtClean="0"/>
+              <a:t>of </a:t>
+            </a:r>
+            <a:r>
+              <a:rPr lang="nl-NL" sz="2000" dirty="0" err="1" smtClean="0"/>
+              <a:t>ambitious</a:t>
+            </a:r>
+            <a:r>
+              <a:rPr lang="nl-NL" sz="2000" dirty="0" smtClean="0"/>
+              <a:t> </a:t>
+            </a:r>
+            <a:r>
+              <a:rPr lang="nl-NL" sz="2000" dirty="0" err="1" smtClean="0"/>
+              <a:t>students</a:t>
+            </a:r>
+            <a:r>
+              <a:rPr lang="nl-NL" sz="2000" dirty="0" smtClean="0"/>
+              <a:t> </a:t>
+            </a:r>
+            <a:r>
+              <a:rPr lang="nl-NL" sz="2000" dirty="0" err="1" smtClean="0"/>
+              <a:t>to</a:t>
+            </a:r>
+            <a:r>
+              <a:rPr lang="nl-NL" sz="2000" dirty="0" smtClean="0"/>
+              <a:t> do </a:t>
+            </a:r>
+            <a:r>
+              <a:rPr lang="nl-NL" sz="2000" dirty="0" err="1" smtClean="0"/>
+              <a:t>final</a:t>
+            </a:r>
+            <a:r>
+              <a:rPr lang="nl-NL" sz="2000" dirty="0" smtClean="0"/>
+              <a:t> </a:t>
+            </a:r>
+            <a:r>
+              <a:rPr lang="nl-NL" sz="2000" dirty="0" err="1" smtClean="0"/>
+              <a:t>assignment</a:t>
+            </a:r>
+            <a:r>
+              <a:rPr lang="nl-NL" sz="2000" dirty="0" smtClean="0"/>
+              <a:t> </a:t>
+            </a:r>
+            <a:r>
+              <a:rPr lang="nl-NL" sz="2000" dirty="0" err="1" smtClean="0"/>
+              <a:t>participating</a:t>
+            </a:r>
+            <a:r>
+              <a:rPr lang="nl-NL" sz="2000" dirty="0" smtClean="0"/>
+              <a:t> in research </a:t>
+            </a:r>
+            <a:r>
+              <a:rPr lang="nl-NL" sz="2000" dirty="0" err="1" smtClean="0"/>
+              <a:t>group</a:t>
+            </a:r>
+            <a:r>
+              <a:rPr lang="nl-NL" sz="2000" dirty="0" smtClean="0"/>
+              <a:t> </a:t>
+            </a:r>
+            <a:r>
+              <a:rPr lang="nl-NL" sz="2000" dirty="0" err="1" smtClean="0"/>
+              <a:t>and</a:t>
+            </a:r>
+            <a:r>
+              <a:rPr lang="nl-NL" sz="2000" dirty="0" smtClean="0"/>
+              <a:t> (</a:t>
+            </a:r>
+            <a:r>
+              <a:rPr lang="nl-NL" sz="2000" dirty="0" err="1" smtClean="0"/>
+              <a:t>partly</a:t>
+            </a:r>
+            <a:r>
+              <a:rPr lang="nl-NL" sz="2000" dirty="0" smtClean="0"/>
+              <a:t>) </a:t>
+            </a:r>
+            <a:r>
+              <a:rPr lang="nl-NL" sz="2000" dirty="0" err="1" smtClean="0"/>
+              <a:t>supervised</a:t>
+            </a:r>
+            <a:r>
+              <a:rPr lang="nl-NL" sz="2000" dirty="0" smtClean="0"/>
+              <a:t> </a:t>
+            </a:r>
+            <a:r>
+              <a:rPr lang="nl-NL" sz="2000" dirty="0" err="1" smtClean="0"/>
+              <a:t>by</a:t>
+            </a:r>
+            <a:r>
+              <a:rPr lang="nl-NL" sz="2000" dirty="0" smtClean="0"/>
+              <a:t> AI researcher</a:t>
+            </a:r>
+          </a:p>
+          <a:p>
+            <a:endParaRPr lang="nl-NL" sz="2000" dirty="0" smtClean="0"/>
+          </a:p>
+          <a:p>
+            <a:r>
+              <a:rPr lang="nl-NL" sz="2000" dirty="0" smtClean="0"/>
+              <a:t>See </a:t>
+            </a:r>
+            <a:r>
+              <a:rPr lang="nl-NL" sz="2000" dirty="0" smtClean="0">
+                <a:hlinkClick r:id="rId2"/>
+              </a:rPr>
+              <a:t>website</a:t>
+            </a:r>
+            <a:r>
+              <a:rPr lang="nl-NL" sz="2000" dirty="0" smtClean="0"/>
+              <a:t> (in Dutch, but </a:t>
+            </a:r>
+            <a:r>
+              <a:rPr lang="nl-NL" sz="2000" dirty="0" err="1" smtClean="0"/>
+              <a:t>you</a:t>
+            </a:r>
+            <a:r>
+              <a:rPr lang="nl-NL" sz="2000" dirty="0" smtClean="0"/>
+              <a:t> can look at </a:t>
+            </a:r>
+            <a:r>
+              <a:rPr lang="nl-NL" sz="2000" dirty="0" err="1" smtClean="0"/>
+              <a:t>publications</a:t>
+            </a:r>
+            <a:r>
+              <a:rPr lang="nl-NL" sz="2000" dirty="0" smtClean="0"/>
+              <a:t>)</a:t>
+            </a:r>
+          </a:p>
+          <a:p>
+            <a:endParaRPr lang="nl-NL" sz="2000" dirty="0" smtClean="0"/>
+          </a:p>
+          <a:p>
+            <a:r>
+              <a:rPr lang="nl-NL" sz="2000" dirty="0" err="1" smtClean="0"/>
+              <a:t>Interested</a:t>
+            </a:r>
+            <a:r>
+              <a:rPr lang="nl-NL" sz="2000" dirty="0" smtClean="0"/>
+              <a:t>? Contact me</a:t>
+            </a:r>
+            <a:endParaRPr lang="nl-NL" sz="2000" dirty="0"/>
+          </a:p>
+        </p:txBody>
+      </p:sp>
+      <p:pic>
+        <p:nvPicPr>
+          <p:cNvPr id="5" name="Afbeelding 4"/>
+          <p:cNvPicPr>
+            <a:picLocks noChangeAspect="1"/>
+          </p:cNvPicPr>
+          <p:nvPr/>
+        </p:nvPicPr>
+        <p:blipFill rotWithShape="1">
+          <a:blip r:embed="rId3"/>
+          <a:srcRect l="-1938" t="10920" r="1722" b="4453"/>
+          <a:stretch/>
+        </p:blipFill>
+        <p:spPr>
+          <a:xfrm>
+            <a:off x="4067944" y="4412937"/>
+            <a:ext cx="4858645" cy="2307857"/>
+          </a:xfrm>
+          <a:prstGeom prst="rect">
+            <a:avLst/>
+          </a:prstGeom>
+        </p:spPr>
+      </p:pic>
+    </p:spTree>
+    <p:extLst>
+      <p:ext uri="{BB962C8B-B14F-4D97-AF65-F5344CB8AC3E}">
+        <p14:creationId xmlns:p14="http://schemas.microsoft.com/office/powerpoint/2010/main" val="3877800681"/>
+      </p:ext>
+    </p:extLst>
+  </p:cSld>
+  <p:clrMapOvr>
+    <a:masterClrMapping/>
+  </p:clrMapOvr>
+</p:sld>
+</file>
+
+<file path=ppt/slides/slide11.xml><?xml version="1.0" encoding="utf-8"?>
+<p:sld xmlns:a="http://schemas.openxmlformats.org/drawingml/2006/main" xmlns:r="http://schemas.openxmlformats.org/officeDocument/2006/relationships" xmlns:p="http://schemas.openxmlformats.org/presentationml/2006/main">
+  <p:cSld>
+    <p:spTree>
+      <p:nvGrpSpPr>
+        <p:cNvPr id="1" name=""/>
+        <p:cNvGrpSpPr/>
+        <p:nvPr/>
+      </p:nvGrpSpPr>
+      <p:grpSpPr>
+        <a:xfrm>
+          <a:off x="0" y="0"/>
+          <a:ext cx="0" cy="0"/>
+          <a:chOff x="0" y="0"/>
+          <a:chExt cx="0" cy="0"/>
+        </a:xfrm>
+      </p:grpSpPr>
+      <p:sp>
+        <p:nvSpPr>
+          <p:cNvPr id="2" name="Titel 1"/>
+          <p:cNvSpPr>
+            <a:spLocks noGrp="1"/>
+          </p:cNvSpPr>
+          <p:nvPr>
+            <p:ph type="title"/>
+          </p:nvPr>
+        </p:nvSpPr>
+        <p:spPr/>
+        <p:txBody>
+          <a:bodyPr/>
+          <a:lstStyle/>
+          <a:p>
+            <a:r>
+              <a:rPr lang="nl-NL" dirty="0" smtClean="0"/>
               <a:t>Schedule</a:t>
             </a:r>
             <a:endParaRPr lang="nl-NL" dirty="0"/>
@@ -8708,7 +8994,7 @@
             <p:ph idx="1"/>
             <p:extLst>
               <p:ext uri="{D42A27DB-BD31-4B8C-83A1-F6EECF244321}">
-                <p14:modId xmlns:p14="http://schemas.microsoft.com/office/powerpoint/2010/main" val="4136667673"/>
+                <p14:modId xmlns:p14="http://schemas.microsoft.com/office/powerpoint/2010/main" val="915687118"/>
               </p:ext>
             </p:extLst>
           </p:nvPr>
@@ -9126,7 +9412,27 @@
                       </a:r>
                       <a:r>
                         <a:rPr lang="nl-NL" baseline="0" dirty="0" smtClean="0"/>
-                        <a:t> in class on project</a:t>
+                        <a:t> in class on project / </a:t>
+                      </a:r>
+                      <a:r>
+                        <a:rPr lang="nl-NL" baseline="0" dirty="0" err="1" smtClean="0"/>
+                        <a:t>to</a:t>
+                      </a:r>
+                      <a:r>
+                        <a:rPr lang="nl-NL" baseline="0" dirty="0" smtClean="0"/>
+                        <a:t> </a:t>
+                      </a:r>
+                      <a:r>
+                        <a:rPr lang="nl-NL" baseline="0" dirty="0" err="1" smtClean="0"/>
+                        <a:t>be</a:t>
+                      </a:r>
+                      <a:r>
+                        <a:rPr lang="nl-NL" baseline="0" dirty="0" smtClean="0"/>
+                        <a:t> </a:t>
+                      </a:r>
+                      <a:r>
+                        <a:rPr lang="nl-NL" baseline="0" dirty="0" err="1" smtClean="0"/>
+                        <a:t>determined</a:t>
                       </a:r>
                       <a:endParaRPr lang="nl-NL" dirty="0" smtClean="0"/>
                     </a:p>
@@ -9237,7 +9543,7 @@
 </p:sld>
 </file>
 
-<file path=ppt/slides/slide11.xml><?xml version="1.0" encoding="utf-8"?>
+<file path=ppt/slides/slide12.xml><?xml version="1.0" encoding="utf-8"?>
 <p:sld xmlns:a="http://schemas.openxmlformats.org/drawingml/2006/main" xmlns:r="http://schemas.openxmlformats.org/officeDocument/2006/relationships" xmlns:p="http://schemas.openxmlformats.org/presentationml/2006/main">
   <p:cSld>
     <p:spTree>
@@ -9421,7 +9727,7 @@
 </p:sld>
 </file>
 
-<file path=ppt/slides/slide12.xml><?xml version="1.0" encoding="utf-8"?>
+<file path=ppt/slides/slide13.xml><?xml version="1.0" encoding="utf-8"?>
 <p:sld xmlns:a="http://schemas.openxmlformats.org/drawingml/2006/main" xmlns:r="http://schemas.openxmlformats.org/officeDocument/2006/relationships" xmlns:p="http://schemas.openxmlformats.org/presentationml/2006/main">
   <p:cSld>
     <p:spTree>
@@ -9984,7 +10290,7 @@
 </p:sld>
 </file>
 
-<file path=ppt/slides/slide13.xml><?xml version="1.0" encoding="utf-8"?>
+<file path=ppt/slides/slide14.xml><?xml version="1.0" encoding="utf-8"?>
 <p:sld xmlns:a="http://schemas.openxmlformats.org/drawingml/2006/main" xmlns:r="http://schemas.openxmlformats.org/officeDocument/2006/relationships" xmlns:p="http://schemas.openxmlformats.org/presentationml/2006/main">
   <p:cSld>
     <p:spTree>
@@ -10268,7 +10574,7 @@
 </p:sld>
 </file>
 
-<file path=ppt/slides/slide14.xml><?xml version="1.0" encoding="utf-8"?>
+<file path=ppt/slides/slide15.xml><?xml version="1.0" encoding="utf-8"?>
 <p:sld xmlns:a="http://schemas.openxmlformats.org/drawingml/2006/main" xmlns:r="http://schemas.openxmlformats.org/officeDocument/2006/relationships" xmlns:p="http://schemas.openxmlformats.org/presentationml/2006/main">
   <p:cSld>
     <p:spTree>
@@ -10518,7 +10824,7 @@
 </p:sld>
 </file>
 
-<file path=ppt/slides/slide15.xml><?xml version="1.0" encoding="utf-8"?>
+<file path=ppt/slides/slide16.xml><?xml version="1.0" encoding="utf-8"?>
 <p:sld xmlns:a="http://schemas.openxmlformats.org/drawingml/2006/main" xmlns:r="http://schemas.openxmlformats.org/officeDocument/2006/relationships" xmlns:p="http://schemas.openxmlformats.org/presentationml/2006/main">
   <p:cSld>
     <p:spTree>
@@ -10890,7 +11196,7 @@
 </p:sld>
 </file>
 
-<file path=ppt/slides/slide16.xml><?xml version="1.0" encoding="utf-8"?>
+<file path=ppt/slides/slide17.xml><?xml version="1.0" encoding="utf-8"?>
 <p:sld xmlns:a="http://schemas.openxmlformats.org/drawingml/2006/main" xmlns:r="http://schemas.openxmlformats.org/officeDocument/2006/relationships" xmlns:p="http://schemas.openxmlformats.org/presentationml/2006/main">
   <p:cSld>
     <p:spTree>
@@ -11046,165 +11352,116 @@
               <a:t> project </a:t>
             </a:r>
             <a:r>
-              <a:rPr lang="nl-NL" sz="1600" b="1" dirty="0" smtClean="0">
+              <a:rPr lang="nl-NL" sz="1600" i="1" dirty="0" smtClean="0">
                 <a:latin typeface="Courier New" panose="02070309020205020404" pitchFamily="49" charset="0"/>
                 <a:cs typeface="Courier New" panose="02070309020205020404" pitchFamily="49" charset="0"/>
               </a:rPr>
-              <a:t>on Canvas (Week 1) </a:t>
+              <a:t>steps</a:t>
             </a:r>
             <a:r>
               <a:rPr lang="nl-NL" sz="1600" dirty="0" smtClean="0">
                 <a:latin typeface="Courier New" panose="02070309020205020404" pitchFamily="49" charset="0"/>
                 <a:cs typeface="Courier New" panose="02070309020205020404" pitchFamily="49" charset="0"/>
               </a:rPr>
-              <a:t> (</a:t>
+              <a:t> </a:t>
+            </a:r>
+            <a:r>
+              <a:rPr lang="nl-NL" sz="1600" dirty="0" err="1" smtClean="0">
+                <a:latin typeface="Courier New" panose="02070309020205020404" pitchFamily="49" charset="0"/>
+                <a:cs typeface="Courier New" panose="02070309020205020404" pitchFamily="49" charset="0"/>
+              </a:rPr>
+              <a:t>and</a:t>
+            </a:r>
+            <a:r>
+              <a:rPr lang="nl-NL" sz="1600" dirty="0" smtClean="0">
+                <a:latin typeface="Courier New" panose="02070309020205020404" pitchFamily="49" charset="0"/>
+                <a:cs typeface="Courier New" panose="02070309020205020404" pitchFamily="49" charset="0"/>
+              </a:rPr>
+              <a:t> </a:t>
             </a:r>
             <a:r>
               <a:rPr lang="nl-NL" sz="1600" i="1" dirty="0" smtClean="0">
                 <a:latin typeface="Courier New" panose="02070309020205020404" pitchFamily="49" charset="0"/>
                 <a:cs typeface="Courier New" panose="02070309020205020404" pitchFamily="49" charset="0"/>
               </a:rPr>
-              <a:t>steps</a:t>
+              <a:t>survey data</a:t>
             </a:r>
             <a:r>
               <a:rPr lang="nl-NL" sz="1600" dirty="0" smtClean="0">
                 <a:latin typeface="Courier New" panose="02070309020205020404" pitchFamily="49" charset="0"/>
                 <a:cs typeface="Courier New" panose="02070309020205020404" pitchFamily="49" charset="0"/>
               </a:rPr>
-              <a:t> </a:t>
+              <a:t>) </a:t>
             </a:r>
             <a:r>
               <a:rPr lang="nl-NL" sz="1600" dirty="0" err="1" smtClean="0">
                 <a:latin typeface="Courier New" panose="02070309020205020404" pitchFamily="49" charset="0"/>
                 <a:cs typeface="Courier New" panose="02070309020205020404" pitchFamily="49" charset="0"/>
               </a:rPr>
-              <a:t>and</a:t>
+              <a:t>into</a:t>
             </a:r>
             <a:r>
               <a:rPr lang="nl-NL" sz="1600" dirty="0" smtClean="0">
                 <a:latin typeface="Courier New" panose="02070309020205020404" pitchFamily="49" charset="0"/>
                 <a:cs typeface="Courier New" panose="02070309020205020404" pitchFamily="49" charset="0"/>
               </a:rPr>
-              <a:t> </a:t>
-            </a:r>
-            <a:r>
-              <a:rPr lang="nl-NL" sz="1600" i="1" dirty="0" smtClean="0">
+              <a:t> a single </a:t>
+            </a:r>
+            <a:r>
+              <a:rPr lang="nl-NL" sz="1600" dirty="0" err="1" smtClean="0">
                 <a:latin typeface="Courier New" panose="02070309020205020404" pitchFamily="49" charset="0"/>
                 <a:cs typeface="Courier New" panose="02070309020205020404" pitchFamily="49" charset="0"/>
               </a:rPr>
-              <a:t>survey data</a:t>
+              <a:t>csv</a:t>
             </a:r>
             <a:r>
               <a:rPr lang="nl-NL" sz="1600" dirty="0" smtClean="0">
                 <a:latin typeface="Courier New" panose="02070309020205020404" pitchFamily="49" charset="0"/>
                 <a:cs typeface="Courier New" panose="02070309020205020404" pitchFamily="49" charset="0"/>
               </a:rPr>
-              <a:t>) </a:t>
+              <a:t> file, </a:t>
             </a:r>
             <a:r>
               <a:rPr lang="nl-NL" sz="1600" dirty="0" err="1" smtClean="0">
                 <a:latin typeface="Courier New" panose="02070309020205020404" pitchFamily="49" charset="0"/>
                 <a:cs typeface="Courier New" panose="02070309020205020404" pitchFamily="49" charset="0"/>
               </a:rPr>
-              <a:t>into</a:t>
+              <a:t>and</a:t>
             </a:r>
             <a:r>
               <a:rPr lang="nl-NL" sz="1600" dirty="0" smtClean="0">
                 <a:latin typeface="Courier New" panose="02070309020205020404" pitchFamily="49" charset="0"/>
                 <a:cs typeface="Courier New" panose="02070309020205020404" pitchFamily="49" charset="0"/>
               </a:rPr>
-              <a:t> a single </a:t>
+              <a:t> clean up the </a:t>
             </a:r>
             <a:r>
               <a:rPr lang="nl-NL" sz="1600" dirty="0" err="1" smtClean="0">
                 <a:latin typeface="Courier New" panose="02070309020205020404" pitchFamily="49" charset="0"/>
                 <a:cs typeface="Courier New" panose="02070309020205020404" pitchFamily="49" charset="0"/>
               </a:rPr>
-              <a:t>csv</a:t>
+              <a:t>variable</a:t>
             </a:r>
             <a:r>
               <a:rPr lang="nl-NL" sz="1600" dirty="0" smtClean="0">
                 <a:latin typeface="Courier New" panose="02070309020205020404" pitchFamily="49" charset="0"/>
                 <a:cs typeface="Courier New" panose="02070309020205020404" pitchFamily="49" charset="0"/>
               </a:rPr>
-              <a:t> file, </a:t>
-            </a:r>
-            <a:r>
-              <a:rPr lang="nl-NL" sz="1600" dirty="0" err="1" smtClean="0">
+              <a:t> </a:t>
+            </a:r>
+            <a:r>
+              <a:rPr lang="nl-NL" sz="1600" i="1" dirty="0" err="1" smtClean="0">
                 <a:latin typeface="Courier New" panose="02070309020205020404" pitchFamily="49" charset="0"/>
                 <a:cs typeface="Courier New" panose="02070309020205020404" pitchFamily="49" charset="0"/>
               </a:rPr>
-              <a:t>and</a:t>
+              <a:t>weight</a:t>
             </a:r>
             <a:r>
               <a:rPr lang="nl-NL" sz="1600" dirty="0" smtClean="0">
                 <a:latin typeface="Courier New" panose="02070309020205020404" pitchFamily="49" charset="0"/>
                 <a:cs typeface="Courier New" panose="02070309020205020404" pitchFamily="49" charset="0"/>
               </a:rPr>
-              <a:t> clean up the </a:t>
-            </a:r>
-            <a:r>
-              <a:rPr lang="nl-NL" sz="1600" dirty="0" err="1" smtClean="0">
-                <a:latin typeface="Courier New" panose="02070309020205020404" pitchFamily="49" charset="0"/>
-                <a:cs typeface="Courier New" panose="02070309020205020404" pitchFamily="49" charset="0"/>
-              </a:rPr>
-              <a:t>variable</a:t>
-            </a:r>
-            <a:r>
-              <a:rPr lang="nl-NL" sz="1600" dirty="0" smtClean="0">
-                <a:latin typeface="Courier New" panose="02070309020205020404" pitchFamily="49" charset="0"/>
-                <a:cs typeface="Courier New" panose="02070309020205020404" pitchFamily="49" charset="0"/>
-              </a:rPr>
-              <a:t> </a:t>
-            </a:r>
-            <a:r>
-              <a:rPr lang="nl-NL" sz="1600" i="1" dirty="0" err="1" smtClean="0">
-                <a:latin typeface="Courier New" panose="02070309020205020404" pitchFamily="49" charset="0"/>
-                <a:cs typeface="Courier New" panose="02070309020205020404" pitchFamily="49" charset="0"/>
-              </a:rPr>
-              <a:t>waist</a:t>
-            </a:r>
-            <a:r>
-              <a:rPr lang="nl-NL" sz="1600" i="1" dirty="0" smtClean="0">
-                <a:latin typeface="Courier New" panose="02070309020205020404" pitchFamily="49" charset="0"/>
-                <a:cs typeface="Courier New" panose="02070309020205020404" pitchFamily="49" charset="0"/>
-              </a:rPr>
-              <a:t> </a:t>
-            </a:r>
-            <a:r>
-              <a:rPr lang="nl-NL" sz="1600" dirty="0" smtClean="0">
-                <a:latin typeface="Courier New" panose="02070309020205020404" pitchFamily="49" charset="0"/>
-                <a:cs typeface="Courier New" panose="02070309020205020404" pitchFamily="49" charset="0"/>
-              </a:rPr>
-              <a:t>(</a:t>
-            </a:r>
-            <a:r>
-              <a:rPr lang="nl-NL" sz="1600" dirty="0" err="1" smtClean="0">
-                <a:latin typeface="Courier New" panose="02070309020205020404" pitchFamily="49" charset="0"/>
-                <a:cs typeface="Courier New" panose="02070309020205020404" pitchFamily="49" charset="0"/>
-              </a:rPr>
-              <a:t>waist</a:t>
-            </a:r>
-            <a:r>
-              <a:rPr lang="nl-NL" sz="1600" dirty="0" smtClean="0">
-                <a:latin typeface="Courier New" panose="02070309020205020404" pitchFamily="49" charset="0"/>
-                <a:cs typeface="Courier New" panose="02070309020205020404" pitchFamily="49" charset="0"/>
-              </a:rPr>
-              <a:t> </a:t>
-            </a:r>
-            <a:r>
-              <a:rPr lang="nl-NL" sz="1600" dirty="0" err="1" smtClean="0">
-                <a:latin typeface="Courier New" panose="02070309020205020404" pitchFamily="49" charset="0"/>
-                <a:cs typeface="Courier New" panose="02070309020205020404" pitchFamily="49" charset="0"/>
-              </a:rPr>
-              <a:t>circumference</a:t>
-            </a:r>
-            <a:r>
-              <a:rPr lang="nl-NL" sz="1600" dirty="0" smtClean="0">
-                <a:latin typeface="Courier New" panose="02070309020205020404" pitchFamily="49" charset="0"/>
-                <a:cs typeface="Courier New" panose="02070309020205020404" pitchFamily="49" charset="0"/>
-              </a:rPr>
-              <a:t>). </a:t>
+              <a:t>. </a:t>
             </a:r>
             <a:r>
               <a:rPr lang="nl-NL" sz="1600" dirty="0" err="1" smtClean="0">
@@ -11755,7 +12012,7 @@
                 <a:latin typeface="Courier New" panose="02070309020205020404" pitchFamily="49" charset="0"/>
                 <a:cs typeface="Courier New" panose="02070309020205020404" pitchFamily="49" charset="0"/>
               </a:rPr>
-              <a:t>waist</a:t>
+              <a:t>weight</a:t>
             </a:r>
             <a:r>
               <a:rPr lang="nl-NL" sz="1600" i="1" dirty="0" smtClean="0">
@@ -11885,7 +12142,7 @@
 </p:sld>
 </file>
 
-<file path=ppt/slides/slide17.xml><?xml version="1.0" encoding="utf-8"?>
+<file path=ppt/slides/slide18.xml><?xml version="1.0" encoding="utf-8"?>
 <p:sld xmlns:a="http://schemas.openxmlformats.org/drawingml/2006/main" xmlns:r="http://schemas.openxmlformats.org/officeDocument/2006/relationships" xmlns:p="http://schemas.openxmlformats.org/presentationml/2006/main">
   <p:cSld>
     <p:spTree>
@@ -12017,7 +12274,7 @@
 </p:sld>
 </file>
 
-<file path=ppt/slides/slide18.xml><?xml version="1.0" encoding="utf-8"?>
+<file path=ppt/slides/slide19.xml><?xml version="1.0" encoding="utf-8"?>
 <p:sld xmlns:a="http://schemas.openxmlformats.org/drawingml/2006/main" xmlns:r="http://schemas.openxmlformats.org/officeDocument/2006/relationships" xmlns:p="http://schemas.openxmlformats.org/presentationml/2006/main">
   <p:cSld>
     <p:spTree>
@@ -12339,190 +12596,6 @@
   <p:clrMapOvr>
     <a:masterClrMapping/>
   </p:clrMapOvr>
-</p:sld>
-</file>
-
-<file path=ppt/slides/slide19.xml><?xml version="1.0" encoding="utf-8"?>
-<p:sld xmlns:a="http://schemas.openxmlformats.org/drawingml/2006/main" xmlns:r="http://schemas.openxmlformats.org/officeDocument/2006/relationships" xmlns:p="http://schemas.openxmlformats.org/presentationml/2006/main">
-  <p:cSld>
-    <p:spTree>
-      <p:nvGrpSpPr>
-        <p:cNvPr id="1" name=""/>
-        <p:cNvGrpSpPr/>
-        <p:nvPr/>
-      </p:nvGrpSpPr>
-      <p:grpSpPr>
-        <a:xfrm>
-          <a:off x="0" y="0"/>
-          <a:ext cx="0" cy="0"/>
-          <a:chOff x="0" y="0"/>
-          <a:chExt cx="0" cy="0"/>
-        </a:xfrm>
-      </p:grpSpPr>
-      <p:sp>
-        <p:nvSpPr>
-          <p:cNvPr id="2" name="Titel 1"/>
-          <p:cNvSpPr>
-            <a:spLocks noGrp="1"/>
-          </p:cNvSpPr>
-          <p:nvPr>
-            <p:ph type="title"/>
-          </p:nvPr>
-        </p:nvSpPr>
-        <p:spPr/>
-        <p:txBody>
-          <a:bodyPr/>
-          <a:lstStyle/>
-          <a:p>
-            <a:r>
-              <a:rPr lang="nl-NL" dirty="0" smtClean="0"/>
-              <a:t>Topics</a:t>
-            </a:r>
-            <a:endParaRPr lang="nl-NL" dirty="0"/>
-          </a:p>
-        </p:txBody>
-      </p:sp>
-      <p:sp>
-        <p:nvSpPr>
-          <p:cNvPr id="3" name="Tijdelijke aanduiding voor inhoud 2"/>
-          <p:cNvSpPr>
-            <a:spLocks noGrp="1"/>
-          </p:cNvSpPr>
-          <p:nvPr>
-            <p:ph idx="1"/>
-          </p:nvPr>
-        </p:nvSpPr>
-        <p:spPr>
-          <a:xfrm>
-            <a:off x="762000" y="1762125"/>
-            <a:ext cx="7881938" cy="5115246"/>
-          </a:xfrm>
-        </p:spPr>
-        <p:txBody>
-          <a:bodyPr/>
-          <a:lstStyle/>
-          <a:p>
-            <a:r>
-              <a:rPr lang="nl-NL" sz="2400" dirty="0" err="1" smtClean="0">
-                <a:solidFill>
-                  <a:schemeClr val="tx1"/>
-                </a:solidFill>
-              </a:rPr>
-              <a:t>Example</a:t>
-            </a:r>
-            <a:endParaRPr lang="nl-NL" sz="2400" dirty="0" smtClean="0">
-              <a:solidFill>
-                <a:schemeClr val="tx1"/>
-              </a:solidFill>
-            </a:endParaRPr>
-          </a:p>
-          <a:p>
-            <a:endParaRPr lang="nl-NL" sz="2400" dirty="0"/>
-          </a:p>
-          <a:p>
-            <a:r>
-              <a:rPr lang="nl-NL" sz="2400" dirty="0" smtClean="0"/>
-              <a:t>Course </a:t>
-            </a:r>
-            <a:r>
-              <a:rPr lang="nl-NL" sz="2400" dirty="0" err="1" smtClean="0"/>
-              <a:t>overview</a:t>
-            </a:r>
-            <a:endParaRPr lang="nl-NL" sz="2400" dirty="0" smtClean="0"/>
-          </a:p>
-          <a:p>
-            <a:endParaRPr lang="nl-NL" sz="2400" dirty="0"/>
-          </a:p>
-          <a:p>
-            <a:r>
-              <a:rPr lang="nl-NL" sz="2400" dirty="0" smtClean="0"/>
-              <a:t>Data cleaning </a:t>
-            </a:r>
-            <a:r>
-              <a:rPr lang="nl-NL" sz="2400" dirty="0" err="1" smtClean="0"/>
-              <a:t>and</a:t>
-            </a:r>
-            <a:r>
-              <a:rPr lang="nl-NL" sz="2400" dirty="0" smtClean="0"/>
-              <a:t> ‘</a:t>
-            </a:r>
-            <a:r>
-              <a:rPr lang="nl-NL" sz="2400" dirty="0" err="1" smtClean="0"/>
-              <a:t>munging</a:t>
-            </a:r>
-            <a:r>
-              <a:rPr lang="nl-NL" sz="2400" dirty="0" smtClean="0"/>
-              <a:t>’</a:t>
-            </a:r>
-          </a:p>
-          <a:p>
-            <a:endParaRPr lang="nl-NL" sz="2400" dirty="0" smtClean="0"/>
-          </a:p>
-          <a:p>
-            <a:r>
-              <a:rPr lang="nl-NL" sz="2400" dirty="0" err="1" smtClean="0"/>
-              <a:t>Distributions</a:t>
-            </a:r>
-            <a:endParaRPr lang="nl-NL" sz="2400" dirty="0" smtClean="0"/>
-          </a:p>
-          <a:p>
-            <a:endParaRPr lang="nl-NL" sz="2400" dirty="0"/>
-          </a:p>
-          <a:p>
-            <a:r>
-              <a:rPr lang="nl-NL" sz="2400" dirty="0" smtClean="0"/>
-              <a:t>Sampling </a:t>
-            </a:r>
-            <a:r>
-              <a:rPr lang="nl-NL" sz="2400" dirty="0" err="1" smtClean="0"/>
-              <a:t>and</a:t>
-            </a:r>
-            <a:r>
-              <a:rPr lang="nl-NL" sz="2400" dirty="0" smtClean="0"/>
-              <a:t> the </a:t>
-            </a:r>
-            <a:r>
-              <a:rPr lang="nl-NL" sz="2400" dirty="0" err="1" smtClean="0"/>
-              <a:t>normal</a:t>
-            </a:r>
-            <a:r>
-              <a:rPr lang="nl-NL" sz="2400" dirty="0" smtClean="0"/>
-              <a:t> </a:t>
-            </a:r>
-            <a:r>
-              <a:rPr lang="nl-NL" sz="2400" dirty="0" err="1" smtClean="0"/>
-              <a:t>distribution</a:t>
-            </a:r>
-            <a:endParaRPr lang="nl-NL" sz="2400" dirty="0" smtClean="0"/>
-          </a:p>
-          <a:p>
-            <a:endParaRPr lang="nl-NL" sz="2000" dirty="0" smtClean="0"/>
-          </a:p>
-          <a:p>
-            <a:endParaRPr lang="nl-NL" sz="2000" dirty="0"/>
-          </a:p>
-          <a:p>
-            <a:endParaRPr lang="nl-NL" sz="2000" dirty="0"/>
-          </a:p>
-        </p:txBody>
-      </p:sp>
-    </p:spTree>
-    <p:extLst>
-      <p:ext uri="{BB962C8B-B14F-4D97-AF65-F5344CB8AC3E}">
-        <p14:creationId xmlns:p14="http://schemas.microsoft.com/office/powerpoint/2010/main" val="1535285877"/>
-      </p:ext>
-    </p:extLst>
-  </p:cSld>
-  <p:clrMapOvr>
-    <a:masterClrMapping/>
-  </p:clrMapOvr>
-  <p:timing>
-    <p:tnLst>
-      <p:par>
-        <p:cTn id="1" dur="indefinite" restart="never" nodeType="tmRoot"/>
-      </p:par>
-    </p:tnLst>
-  </p:timing>
 </p:sld>
 </file>
 
@@ -12768,6 +12841,190 @@
           <a:lstStyle/>
           <a:p>
             <a:r>
+              <a:rPr lang="nl-NL" dirty="0" smtClean="0"/>
+              <a:t>Topics</a:t>
+            </a:r>
+            <a:endParaRPr lang="nl-NL" dirty="0"/>
+          </a:p>
+        </p:txBody>
+      </p:sp>
+      <p:sp>
+        <p:nvSpPr>
+          <p:cNvPr id="3" name="Tijdelijke aanduiding voor inhoud 2"/>
+          <p:cNvSpPr>
+            <a:spLocks noGrp="1"/>
+          </p:cNvSpPr>
+          <p:nvPr>
+            <p:ph idx="1"/>
+          </p:nvPr>
+        </p:nvSpPr>
+        <p:spPr>
+          <a:xfrm>
+            <a:off x="762000" y="1762125"/>
+            <a:ext cx="7881938" cy="5115246"/>
+          </a:xfrm>
+        </p:spPr>
+        <p:txBody>
+          <a:bodyPr/>
+          <a:lstStyle/>
+          <a:p>
+            <a:r>
+              <a:rPr lang="nl-NL" sz="2400" dirty="0" err="1" smtClean="0">
+                <a:solidFill>
+                  <a:schemeClr val="tx1"/>
+                </a:solidFill>
+              </a:rPr>
+              <a:t>Example</a:t>
+            </a:r>
+            <a:endParaRPr lang="nl-NL" sz="2400" dirty="0" smtClean="0">
+              <a:solidFill>
+                <a:schemeClr val="tx1"/>
+              </a:solidFill>
+            </a:endParaRPr>
+          </a:p>
+          <a:p>
+            <a:endParaRPr lang="nl-NL" sz="2400" dirty="0"/>
+          </a:p>
+          <a:p>
+            <a:r>
+              <a:rPr lang="nl-NL" sz="2400" dirty="0" smtClean="0"/>
+              <a:t>Course </a:t>
+            </a:r>
+            <a:r>
+              <a:rPr lang="nl-NL" sz="2400" dirty="0" err="1" smtClean="0"/>
+              <a:t>overview</a:t>
+            </a:r>
+            <a:endParaRPr lang="nl-NL" sz="2400" dirty="0" smtClean="0"/>
+          </a:p>
+          <a:p>
+            <a:endParaRPr lang="nl-NL" sz="2400" dirty="0"/>
+          </a:p>
+          <a:p>
+            <a:r>
+              <a:rPr lang="nl-NL" sz="2400" dirty="0" smtClean="0"/>
+              <a:t>Data cleaning </a:t>
+            </a:r>
+            <a:r>
+              <a:rPr lang="nl-NL" sz="2400" dirty="0" err="1" smtClean="0"/>
+              <a:t>and</a:t>
+            </a:r>
+            <a:r>
+              <a:rPr lang="nl-NL" sz="2400" dirty="0" smtClean="0"/>
+              <a:t> ‘</a:t>
+            </a:r>
+            <a:r>
+              <a:rPr lang="nl-NL" sz="2400" dirty="0" err="1" smtClean="0"/>
+              <a:t>munging</a:t>
+            </a:r>
+            <a:r>
+              <a:rPr lang="nl-NL" sz="2400" dirty="0" smtClean="0"/>
+              <a:t>’</a:t>
+            </a:r>
+          </a:p>
+          <a:p>
+            <a:endParaRPr lang="nl-NL" sz="2400" dirty="0" smtClean="0"/>
+          </a:p>
+          <a:p>
+            <a:r>
+              <a:rPr lang="nl-NL" sz="2400" dirty="0" err="1" smtClean="0"/>
+              <a:t>Distributions</a:t>
+            </a:r>
+            <a:endParaRPr lang="nl-NL" sz="2400" dirty="0" smtClean="0"/>
+          </a:p>
+          <a:p>
+            <a:endParaRPr lang="nl-NL" sz="2400" dirty="0"/>
+          </a:p>
+          <a:p>
+            <a:r>
+              <a:rPr lang="nl-NL" sz="2400" dirty="0" smtClean="0"/>
+              <a:t>Sampling </a:t>
+            </a:r>
+            <a:r>
+              <a:rPr lang="nl-NL" sz="2400" dirty="0" err="1" smtClean="0"/>
+              <a:t>and</a:t>
+            </a:r>
+            <a:r>
+              <a:rPr lang="nl-NL" sz="2400" dirty="0" smtClean="0"/>
+              <a:t> the </a:t>
+            </a:r>
+            <a:r>
+              <a:rPr lang="nl-NL" sz="2400" dirty="0" err="1" smtClean="0"/>
+              <a:t>normal</a:t>
+            </a:r>
+            <a:r>
+              <a:rPr lang="nl-NL" sz="2400" dirty="0" smtClean="0"/>
+              <a:t> </a:t>
+            </a:r>
+            <a:r>
+              <a:rPr lang="nl-NL" sz="2400" dirty="0" err="1" smtClean="0"/>
+              <a:t>distribution</a:t>
+            </a:r>
+            <a:endParaRPr lang="nl-NL" sz="2400" dirty="0" smtClean="0"/>
+          </a:p>
+          <a:p>
+            <a:endParaRPr lang="nl-NL" sz="2000" dirty="0" smtClean="0"/>
+          </a:p>
+          <a:p>
+            <a:endParaRPr lang="nl-NL" sz="2000" dirty="0"/>
+          </a:p>
+          <a:p>
+            <a:endParaRPr lang="nl-NL" sz="2000" dirty="0"/>
+          </a:p>
+        </p:txBody>
+      </p:sp>
+    </p:spTree>
+    <p:extLst>
+      <p:ext uri="{BB962C8B-B14F-4D97-AF65-F5344CB8AC3E}">
+        <p14:creationId xmlns:p14="http://schemas.microsoft.com/office/powerpoint/2010/main" val="1535285877"/>
+      </p:ext>
+    </p:extLst>
+  </p:cSld>
+  <p:clrMapOvr>
+    <a:masterClrMapping/>
+  </p:clrMapOvr>
+  <p:timing>
+    <p:tnLst>
+      <p:par>
+        <p:cTn id="1" dur="indefinite" restart="never" nodeType="tmRoot"/>
+      </p:par>
+    </p:tnLst>
+  </p:timing>
+</p:sld>
+</file>
+
+<file path=ppt/slides/slide21.xml><?xml version="1.0" encoding="utf-8"?>
+<p:sld xmlns:a="http://schemas.openxmlformats.org/drawingml/2006/main" xmlns:r="http://schemas.openxmlformats.org/officeDocument/2006/relationships" xmlns:p="http://schemas.openxmlformats.org/presentationml/2006/main">
+  <p:cSld>
+    <p:spTree>
+      <p:nvGrpSpPr>
+        <p:cNvPr id="1" name=""/>
+        <p:cNvGrpSpPr/>
+        <p:nvPr/>
+      </p:nvGrpSpPr>
+      <p:grpSpPr>
+        <a:xfrm>
+          <a:off x="0" y="0"/>
+          <a:ext cx="0" cy="0"/>
+          <a:chOff x="0" y="0"/>
+          <a:chExt cx="0" cy="0"/>
+        </a:xfrm>
+      </p:grpSpPr>
+      <p:sp>
+        <p:nvSpPr>
+          <p:cNvPr id="2" name="Titel 1"/>
+          <p:cNvSpPr>
+            <a:spLocks noGrp="1"/>
+          </p:cNvSpPr>
+          <p:nvPr>
+            <p:ph type="title"/>
+          </p:nvPr>
+        </p:nvSpPr>
+        <p:spPr/>
+        <p:txBody>
+          <a:bodyPr/>
+          <a:lstStyle/>
+          <a:p>
+            <a:r>
               <a:rPr lang="nl-NL" dirty="0" err="1" smtClean="0"/>
               <a:t>Distributions</a:t>
             </a:r>
@@ -12821,7 +13078,7 @@
 </p:sld>
 </file>
 
-<file path=ppt/slides/slide21.xml><?xml version="1.0" encoding="utf-8"?>
+<file path=ppt/slides/slide22.xml><?xml version="1.0" encoding="utf-8"?>
 <p:sld xmlns:a="http://schemas.openxmlformats.org/drawingml/2006/main" xmlns:r="http://schemas.openxmlformats.org/officeDocument/2006/relationships" xmlns:p="http://schemas.openxmlformats.org/presentationml/2006/main">
   <p:cSld>
     <p:spTree>
@@ -15752,7 +16009,7 @@
 </p:sld>
 </file>
 
-<file path=ppt/slides/slide22.xml><?xml version="1.0" encoding="utf-8"?>
+<file path=ppt/slides/slide23.xml><?xml version="1.0" encoding="utf-8"?>
 <p:sld xmlns:a="http://schemas.openxmlformats.org/drawingml/2006/main" xmlns:r="http://schemas.openxmlformats.org/officeDocument/2006/relationships" xmlns:p="http://schemas.openxmlformats.org/presentationml/2006/main">
   <p:cSld>
     <p:spTree>
@@ -16048,7 +16305,7 @@
 </p:sld>
 </file>
 
-<file path=ppt/slides/slide23.xml><?xml version="1.0" encoding="utf-8"?>
+<file path=ppt/slides/slide24.xml><?xml version="1.0" encoding="utf-8"?>
 <p:sld xmlns:a="http://schemas.openxmlformats.org/drawingml/2006/main" xmlns:r="http://schemas.openxmlformats.org/officeDocument/2006/relationships" xmlns:p="http://schemas.openxmlformats.org/presentationml/2006/main">
   <p:cSld>
     <p:spTree>
@@ -16135,7 +16392,7 @@
           <a:graphicData uri="http://schemas.openxmlformats.org/presentationml/2006/ole">
             <mc:AlternateContent xmlns:mc="http://schemas.openxmlformats.org/markup-compatibility/2006">
               <mc:Choice xmlns:v="urn:schemas-microsoft-com:vml" Requires="v">
-                <p:oleObj spid="_x0000_s1110" name="Vergelijking" r:id="rId3" imgW="3454200" imgH="1193760" progId="Equation.3">
+                <p:oleObj spid="_x0000_s1128" name="Vergelijking" r:id="rId3" imgW="3454200" imgH="1193760" progId="Equation.3">
                   <p:embed/>
                 </p:oleObj>
               </mc:Choice>
@@ -16441,7 +16698,7 @@
           <a:graphicData uri="http://schemas.openxmlformats.org/presentationml/2006/ole">
             <mc:AlternateContent xmlns:mc="http://schemas.openxmlformats.org/markup-compatibility/2006">
               <mc:Choice xmlns:v="urn:schemas-microsoft-com:vml" Requires="v">
-                <p:oleObj spid="_x0000_s1111" name="Vergelijking" r:id="rId5" imgW="672840" imgH="317160" progId="Equation.3">
+                <p:oleObj spid="_x0000_s1129" name="Vergelijking" r:id="rId5" imgW="672840" imgH="317160" progId="Equation.3">
                   <p:embed/>
                 </p:oleObj>
               </mc:Choice>
@@ -16535,7 +16792,7 @@
 </p:sld>
 </file>
 
-<file path=ppt/slides/slide24.xml><?xml version="1.0" encoding="utf-8"?>
+<file path=ppt/slides/slide25.xml><?xml version="1.0" encoding="utf-8"?>
 <p:sld xmlns:a="http://schemas.openxmlformats.org/drawingml/2006/main" xmlns:r="http://schemas.openxmlformats.org/officeDocument/2006/relationships" xmlns:p="http://schemas.openxmlformats.org/presentationml/2006/main">
   <p:cSld>
     <p:spTree>
@@ -17157,7 +17414,7 @@
 </p:sld>
 </file>
 
-<file path=ppt/slides/slide25.xml><?xml version="1.0" encoding="utf-8"?>
+<file path=ppt/slides/slide26.xml><?xml version="1.0" encoding="utf-8"?>
 <p:sld xmlns:a="http://schemas.openxmlformats.org/drawingml/2006/main" xmlns:r="http://schemas.openxmlformats.org/officeDocument/2006/relationships" xmlns:p="http://schemas.openxmlformats.org/presentationml/2006/main">
   <p:cSld>
     <p:spTree>
@@ -18955,7 +19212,7 @@
 </p:sld>
 </file>
 
-<file path=ppt/slides/slide26.xml><?xml version="1.0" encoding="utf-8"?>
+<file path=ppt/slides/slide27.xml><?xml version="1.0" encoding="utf-8"?>
 <p:sld xmlns:a="http://schemas.openxmlformats.org/drawingml/2006/main" xmlns:r="http://schemas.openxmlformats.org/officeDocument/2006/relationships" xmlns:p="http://schemas.openxmlformats.org/presentationml/2006/main">
   <p:cSld>
     <p:spTree>
@@ -19286,7 +19543,7 @@
 </p:sld>
 </file>
 
-<file path=ppt/slides/slide27.xml><?xml version="1.0" encoding="utf-8"?>
+<file path=ppt/slides/slide28.xml><?xml version="1.0" encoding="utf-8"?>
 <p:sld xmlns:a="http://schemas.openxmlformats.org/drawingml/2006/main" xmlns:r="http://schemas.openxmlformats.org/officeDocument/2006/relationships" xmlns:p="http://schemas.openxmlformats.org/presentationml/2006/main">
   <p:cSld>
     <p:spTree>
@@ -19470,7 +19727,7 @@
                 <a:cs typeface="Courier New" panose="02070309020205020404" pitchFamily="49" charset="0"/>
                 <a:hlinkClick r:id="rId2"/>
               </a:rPr>
-              <a:t>https://bit.ly/2MTisu0</a:t>
+              <a:t>https://bit.ly/3pl32Qb</a:t>
             </a:r>
             <a:r>
               <a:rPr lang="nl-NL" sz="1400" dirty="0">
@@ -20322,7 +20579,7 @@
 </p:sld>
 </file>
 
-<file path=ppt/slides/slide28.xml><?xml version="1.0" encoding="utf-8"?>
+<file path=ppt/slides/slide29.xml><?xml version="1.0" encoding="utf-8"?>
 <p:sld xmlns:a="http://schemas.openxmlformats.org/drawingml/2006/main" xmlns:r="http://schemas.openxmlformats.org/officeDocument/2006/relationships" xmlns:p="http://schemas.openxmlformats.org/presentationml/2006/main">
   <p:cSld>
     <p:spTree>
@@ -20586,157 +20843,6 @@
           <a:p>
             <a:r>
               <a:rPr lang="nl-NL" dirty="0" smtClean="0"/>
-              <a:t>Check-in</a:t>
-            </a:r>
-            <a:endParaRPr lang="nl-NL" dirty="0"/>
-          </a:p>
-        </p:txBody>
-      </p:sp>
-      <p:sp>
-        <p:nvSpPr>
-          <p:cNvPr id="9" name="Tijdelijke aanduiding voor inhoud 8"/>
-          <p:cNvSpPr>
-            <a:spLocks noGrp="1"/>
-          </p:cNvSpPr>
-          <p:nvPr>
-            <p:ph idx="1"/>
-          </p:nvPr>
-        </p:nvSpPr>
-        <p:spPr/>
-        <p:txBody>
-          <a:bodyPr/>
-          <a:lstStyle/>
-          <a:p>
-            <a:endParaRPr lang="nl-NL"/>
-          </a:p>
-        </p:txBody>
-      </p:sp>
-      <p:pic>
-        <p:nvPicPr>
-          <p:cNvPr id="12" name="Afbeelding 11"/>
-          <p:cNvPicPr>
-            <a:picLocks noChangeAspect="1"/>
-          </p:cNvPicPr>
-          <p:nvPr/>
-        </p:nvPicPr>
-        <p:blipFill>
-          <a:blip r:embed="rId2"/>
-          <a:stretch>
-            <a:fillRect/>
-          </a:stretch>
-        </p:blipFill>
-        <p:spPr>
-          <a:xfrm>
-            <a:off x="6156176" y="2492896"/>
-            <a:ext cx="2253070" cy="2016224"/>
-          </a:xfrm>
-          <a:prstGeom prst="rect">
-            <a:avLst/>
-          </a:prstGeom>
-        </p:spPr>
-      </p:pic>
-      <p:pic>
-        <p:nvPicPr>
-          <p:cNvPr id="13" name="Afbeelding 12"/>
-          <p:cNvPicPr>
-            <a:picLocks noChangeAspect="1"/>
-          </p:cNvPicPr>
-          <p:nvPr/>
-        </p:nvPicPr>
-        <p:blipFill>
-          <a:blip r:embed="rId3"/>
-          <a:stretch>
-            <a:fillRect/>
-          </a:stretch>
-        </p:blipFill>
-        <p:spPr>
-          <a:xfrm>
-            <a:off x="3491880" y="2616786"/>
-            <a:ext cx="2129219" cy="1988089"/>
-          </a:xfrm>
-          <a:prstGeom prst="rect">
-            <a:avLst/>
-          </a:prstGeom>
-        </p:spPr>
-      </p:pic>
-      <p:pic>
-        <p:nvPicPr>
-          <p:cNvPr id="14" name="Afbeelding 13"/>
-          <p:cNvPicPr>
-            <a:picLocks noChangeAspect="1"/>
-          </p:cNvPicPr>
-          <p:nvPr/>
-        </p:nvPicPr>
-        <p:blipFill>
-          <a:blip r:embed="rId4"/>
-          <a:stretch>
-            <a:fillRect/>
-          </a:stretch>
-        </p:blipFill>
-        <p:spPr>
-          <a:xfrm>
-            <a:off x="869217" y="2712543"/>
-            <a:ext cx="1873659" cy="1796577"/>
-          </a:xfrm>
-          <a:prstGeom prst="rect">
-            <a:avLst/>
-          </a:prstGeom>
-        </p:spPr>
-      </p:pic>
-    </p:spTree>
-    <p:extLst>
-      <p:ext uri="{BB962C8B-B14F-4D97-AF65-F5344CB8AC3E}">
-        <p14:creationId xmlns:p14="http://schemas.microsoft.com/office/powerpoint/2010/main" val="3898658124"/>
-      </p:ext>
-    </p:extLst>
-  </p:cSld>
-  <p:clrMapOvr>
-    <a:masterClrMapping/>
-  </p:clrMapOvr>
-  <p:timing>
-    <p:tnLst>
-      <p:par>
-        <p:cTn id="1" dur="indefinite" restart="never" nodeType="tmRoot"/>
-      </p:par>
-    </p:tnLst>
-  </p:timing>
-</p:sld>
-</file>
-
-<file path=ppt/slides/slide4.xml><?xml version="1.0" encoding="utf-8"?>
-<p:sld xmlns:a="http://schemas.openxmlformats.org/drawingml/2006/main" xmlns:r="http://schemas.openxmlformats.org/officeDocument/2006/relationships" xmlns:p="http://schemas.openxmlformats.org/presentationml/2006/main">
-  <p:cSld>
-    <p:spTree>
-      <p:nvGrpSpPr>
-        <p:cNvPr id="1" name=""/>
-        <p:cNvGrpSpPr/>
-        <p:nvPr/>
-      </p:nvGrpSpPr>
-      <p:grpSpPr>
-        <a:xfrm>
-          <a:off x="0" y="0"/>
-          <a:ext cx="0" cy="0"/>
-          <a:chOff x="0" y="0"/>
-          <a:chExt cx="0" cy="0"/>
-        </a:xfrm>
-      </p:grpSpPr>
-      <p:sp>
-        <p:nvSpPr>
-          <p:cNvPr id="2" name="Titel 1"/>
-          <p:cNvSpPr>
-            <a:spLocks noGrp="1"/>
-          </p:cNvSpPr>
-          <p:nvPr>
-            <p:ph type="title"/>
-          </p:nvPr>
-        </p:nvSpPr>
-        <p:spPr/>
-        <p:txBody>
-          <a:bodyPr/>
-          <a:lstStyle/>
-          <a:p>
-            <a:r>
-              <a:rPr lang="nl-NL" dirty="0" smtClean="0"/>
               <a:t>My background</a:t>
             </a:r>
             <a:endParaRPr lang="nl-NL" dirty="0"/>
@@ -20756,7 +20862,7 @@
         <p:spPr>
           <a:xfrm>
             <a:off x="762000" y="1762125"/>
-            <a:ext cx="7881938" cy="3231654"/>
+            <a:ext cx="7881938" cy="4278094"/>
           </a:xfrm>
         </p:spPr>
         <p:txBody>
@@ -20880,9 +20986,83 @@
               <a:rPr lang="nl-NL" sz="2000" dirty="0" err="1" smtClean="0"/>
               <a:t>learning</a:t>
             </a:r>
+            <a:endParaRPr lang="nl-NL" sz="2000" dirty="0"/>
+          </a:p>
+          <a:p>
+            <a:endParaRPr lang="nl-NL" sz="2000" dirty="0" smtClean="0"/>
+          </a:p>
+          <a:p>
+            <a:r>
+              <a:rPr lang="nl-NL" sz="2000" dirty="0" err="1" smtClean="0"/>
+              <a:t>Please</a:t>
+            </a:r>
             <a:r>
               <a:rPr lang="nl-NL" sz="2000" dirty="0" smtClean="0"/>
               <a:t> </a:t>
+            </a:r>
+            <a:r>
+              <a:rPr lang="nl-NL" sz="2000" dirty="0" err="1" smtClean="0"/>
+              <a:t>use</a:t>
+            </a:r>
+            <a:r>
+              <a:rPr lang="nl-NL" sz="2000" dirty="0" smtClean="0"/>
+              <a:t> Teams </a:t>
+            </a:r>
+            <a:r>
+              <a:rPr lang="nl-NL" sz="2000" dirty="0" err="1" smtClean="0"/>
+              <a:t>channel</a:t>
+            </a:r>
+            <a:r>
+              <a:rPr lang="nl-NL" sz="2000" dirty="0" smtClean="0"/>
+              <a:t> for </a:t>
+            </a:r>
+            <a:r>
+              <a:rPr lang="nl-NL" sz="2000" dirty="0" err="1" smtClean="0"/>
+              <a:t>questions</a:t>
+            </a:r>
+            <a:r>
+              <a:rPr lang="nl-NL" sz="2000" dirty="0" smtClean="0"/>
+              <a:t> more </a:t>
+            </a:r>
+            <a:r>
+              <a:rPr lang="nl-NL" sz="2000" dirty="0" err="1" smtClean="0"/>
+              <a:t>people</a:t>
+            </a:r>
+            <a:r>
+              <a:rPr lang="nl-NL" sz="2000" dirty="0" smtClean="0"/>
+              <a:t> </a:t>
+            </a:r>
+            <a:r>
+              <a:rPr lang="nl-NL" sz="2000" dirty="0" err="1" smtClean="0"/>
+              <a:t>might</a:t>
+            </a:r>
+            <a:r>
+              <a:rPr lang="nl-NL" sz="2000" dirty="0" smtClean="0"/>
+              <a:t> have, </a:t>
+            </a:r>
+            <a:r>
+              <a:rPr lang="nl-NL" sz="2000" dirty="0" err="1" smtClean="0"/>
+              <a:t>and</a:t>
+            </a:r>
+            <a:r>
+              <a:rPr lang="nl-NL" sz="2000" dirty="0" smtClean="0"/>
+              <a:t> e-mail for personal </a:t>
+            </a:r>
+            <a:r>
+              <a:rPr lang="nl-NL" sz="2000" dirty="0" err="1" smtClean="0"/>
+              <a:t>questions</a:t>
+            </a:r>
+            <a:r>
+              <a:rPr lang="nl-NL" sz="2000" dirty="0" smtClean="0"/>
+              <a:t> (</a:t>
+            </a:r>
+            <a:r>
+              <a:rPr lang="nl-NL" sz="2000" dirty="0" err="1" smtClean="0"/>
+              <a:t>not</a:t>
+            </a:r>
+            <a:r>
+              <a:rPr lang="nl-NL" sz="2000" dirty="0" smtClean="0"/>
+              <a:t> chat)</a:t>
             </a:r>
             <a:endParaRPr lang="nl-NL" sz="2000" dirty="0"/>
           </a:p>
@@ -20935,6 +21115,682 @@
       </p:par>
     </p:tnLst>
   </p:timing>
+</p:sld>
+</file>
+
+<file path=ppt/slides/slide4.xml><?xml version="1.0" encoding="utf-8"?>
+<p:sld xmlns:a="http://schemas.openxmlformats.org/drawingml/2006/main" xmlns:r="http://schemas.openxmlformats.org/officeDocument/2006/relationships" xmlns:p="http://schemas.openxmlformats.org/presentationml/2006/main">
+  <p:cSld>
+    <p:spTree>
+      <p:nvGrpSpPr>
+        <p:cNvPr id="1" name=""/>
+        <p:cNvGrpSpPr/>
+        <p:nvPr/>
+      </p:nvGrpSpPr>
+      <p:grpSpPr>
+        <a:xfrm>
+          <a:off x="0" y="0"/>
+          <a:ext cx="0" cy="0"/>
+          <a:chOff x="0" y="0"/>
+          <a:chExt cx="0" cy="0"/>
+        </a:xfrm>
+      </p:grpSpPr>
+      <p:sp>
+        <p:nvSpPr>
+          <p:cNvPr id="2" name="Titel 1"/>
+          <p:cNvSpPr>
+            <a:spLocks noGrp="1"/>
+          </p:cNvSpPr>
+          <p:nvPr>
+            <p:ph type="title"/>
+          </p:nvPr>
+        </p:nvSpPr>
+        <p:spPr/>
+        <p:txBody>
+          <a:bodyPr/>
+          <a:lstStyle/>
+          <a:p>
+            <a:r>
+              <a:rPr lang="nl-NL" dirty="0" smtClean="0"/>
+              <a:t>Schedule</a:t>
+            </a:r>
+            <a:endParaRPr lang="nl-NL" dirty="0"/>
+          </a:p>
+        </p:txBody>
+      </p:sp>
+      <p:graphicFrame>
+        <p:nvGraphicFramePr>
+          <p:cNvPr id="4" name="Tijdelijke aanduiding voor inhoud 3"/>
+          <p:cNvGraphicFramePr>
+            <a:graphicFrameLocks noGrp="1"/>
+          </p:cNvGraphicFramePr>
+          <p:nvPr>
+            <p:ph idx="1"/>
+            <p:extLst>
+              <p:ext uri="{D42A27DB-BD31-4B8C-83A1-F6EECF244321}">
+                <p14:modId xmlns:p14="http://schemas.microsoft.com/office/powerpoint/2010/main" val="4016699236"/>
+              </p:ext>
+            </p:extLst>
+          </p:nvPr>
+        </p:nvGraphicFramePr>
+        <p:xfrm>
+          <a:off x="762000" y="1340768"/>
+          <a:ext cx="7881938" cy="2585720"/>
+        </p:xfrm>
+        <a:graphic>
+          <a:graphicData uri="http://schemas.openxmlformats.org/drawingml/2006/table">
+            <a:tbl>
+              <a:tblPr firstRow="1" bandRow="1">
+                <a:tableStyleId>{5C22544A-7EE6-4342-B048-85BDC9FD1C3A}</a:tableStyleId>
+              </a:tblPr>
+              <a:tblGrid>
+                <a:gridCol w="3940969">
+                  <a:extLst>
+                    <a:ext uri="{9D8B030D-6E8A-4147-A177-3AD203B41FA5}">
+                      <a16:colId xmlns:a16="http://schemas.microsoft.com/office/drawing/2014/main" val="3371091441"/>
+                    </a:ext>
+                  </a:extLst>
+                </a:gridCol>
+                <a:gridCol w="3940969">
+                  <a:extLst>
+                    <a:ext uri="{9D8B030D-6E8A-4147-A177-3AD203B41FA5}">
+                      <a16:colId xmlns:a16="http://schemas.microsoft.com/office/drawing/2014/main" val="19969068"/>
+                    </a:ext>
+                  </a:extLst>
+                </a:gridCol>
+              </a:tblGrid>
+              <a:tr h="370840">
+                <a:tc>
+                  <a:txBody>
+                    <a:bodyPr/>
+                    <a:lstStyle/>
+                    <a:p>
+                      <a:r>
+                        <a:rPr lang="nl-NL" dirty="0" err="1" smtClean="0"/>
+                        <a:t>Wednesday</a:t>
+                      </a:r>
+                      <a:endParaRPr lang="nl-NL" dirty="0"/>
+                    </a:p>
+                  </a:txBody>
+                  <a:tcPr/>
+                </a:tc>
+                <a:tc>
+                  <a:txBody>
+                    <a:bodyPr/>
+                    <a:lstStyle/>
+                    <a:p>
+                      <a:endParaRPr lang="nl-NL"/>
+                    </a:p>
+                  </a:txBody>
+                  <a:tcPr/>
+                </a:tc>
+                <a:extLst>
+                  <a:ext uri="{0D108BD9-81ED-4DB2-BD59-A6C34878D82A}">
+                    <a16:rowId xmlns:a16="http://schemas.microsoft.com/office/drawing/2014/main" val="581644146"/>
+                  </a:ext>
+                </a:extLst>
+              </a:tr>
+              <a:tr h="370840">
+                <a:tc>
+                  <a:txBody>
+                    <a:bodyPr/>
+                    <a:lstStyle/>
+                    <a:p>
+                      <a:r>
+                        <a:rPr lang="nl-NL" dirty="0" smtClean="0"/>
+                        <a:t>Course </a:t>
+                      </a:r>
+                      <a:r>
+                        <a:rPr lang="nl-NL" dirty="0" err="1" smtClean="0"/>
+                        <a:t>overview</a:t>
+                      </a:r>
+                      <a:r>
+                        <a:rPr lang="nl-NL" dirty="0" smtClean="0"/>
+                        <a:t> &amp;</a:t>
+                      </a:r>
+                      <a:r>
+                        <a:rPr lang="nl-NL" baseline="0" dirty="0" smtClean="0"/>
+                        <a:t> data cleaning</a:t>
+                      </a:r>
+                      <a:endParaRPr lang="nl-NL" dirty="0"/>
+                    </a:p>
+                  </a:txBody>
+                  <a:tcPr/>
+                </a:tc>
+                <a:tc>
+                  <a:txBody>
+                    <a:bodyPr/>
+                    <a:lstStyle/>
+                    <a:p>
+                      <a:r>
+                        <a:rPr lang="nl-NL" dirty="0" smtClean="0"/>
+                        <a:t>14:00-14:45</a:t>
+                      </a:r>
+                      <a:endParaRPr lang="nl-NL" dirty="0"/>
+                    </a:p>
+                  </a:txBody>
+                  <a:tcPr/>
+                </a:tc>
+                <a:extLst>
+                  <a:ext uri="{0D108BD9-81ED-4DB2-BD59-A6C34878D82A}">
+                    <a16:rowId xmlns:a16="http://schemas.microsoft.com/office/drawing/2014/main" val="3173106563"/>
+                  </a:ext>
+                </a:extLst>
+              </a:tr>
+              <a:tr h="370840">
+                <a:tc>
+                  <a:txBody>
+                    <a:bodyPr/>
+                    <a:lstStyle/>
+                    <a:p>
+                      <a:r>
+                        <a:rPr lang="nl-NL" dirty="0" smtClean="0"/>
+                        <a:t>Short break</a:t>
+                      </a:r>
+                      <a:endParaRPr lang="nl-NL" dirty="0"/>
+                    </a:p>
+                  </a:txBody>
+                  <a:tcPr/>
+                </a:tc>
+                <a:tc>
+                  <a:txBody>
+                    <a:bodyPr/>
+                    <a:lstStyle/>
+                    <a:p>
+                      <a:r>
+                        <a:rPr lang="nl-NL" dirty="0" smtClean="0"/>
+                        <a:t>14:45-14:50</a:t>
+                      </a:r>
+                      <a:endParaRPr lang="nl-NL" dirty="0"/>
+                    </a:p>
+                  </a:txBody>
+                  <a:tcPr/>
+                </a:tc>
+                <a:extLst>
+                  <a:ext uri="{0D108BD9-81ED-4DB2-BD59-A6C34878D82A}">
+                    <a16:rowId xmlns:a16="http://schemas.microsoft.com/office/drawing/2014/main" val="2048094668"/>
+                  </a:ext>
+                </a:extLst>
+              </a:tr>
+              <a:tr h="370840">
+                <a:tc>
+                  <a:txBody>
+                    <a:bodyPr/>
+                    <a:lstStyle/>
+                    <a:p>
+                      <a:r>
+                        <a:rPr lang="nl-NL" dirty="0" err="1" smtClean="0"/>
+                        <a:t>Exercise</a:t>
+                      </a:r>
+                      <a:r>
+                        <a:rPr lang="nl-NL" dirty="0" smtClean="0"/>
+                        <a:t> 1 + solution</a:t>
+                      </a:r>
+                      <a:endParaRPr lang="nl-NL" dirty="0"/>
+                    </a:p>
+                  </a:txBody>
+                  <a:tcPr/>
+                </a:tc>
+                <a:tc>
+                  <a:txBody>
+                    <a:bodyPr/>
+                    <a:lstStyle/>
+                    <a:p>
+                      <a:r>
+                        <a:rPr lang="nl-NL" dirty="0" smtClean="0"/>
+                        <a:t>14:50-15:45</a:t>
+                      </a:r>
+                      <a:endParaRPr lang="nl-NL" dirty="0"/>
+                    </a:p>
+                  </a:txBody>
+                  <a:tcPr/>
+                </a:tc>
+                <a:extLst>
+                  <a:ext uri="{0D108BD9-81ED-4DB2-BD59-A6C34878D82A}">
+                    <a16:rowId xmlns:a16="http://schemas.microsoft.com/office/drawing/2014/main" val="3338564638"/>
+                  </a:ext>
+                </a:extLst>
+              </a:tr>
+              <a:tr h="370840">
+                <a:tc>
+                  <a:txBody>
+                    <a:bodyPr/>
+                    <a:lstStyle/>
+                    <a:p>
+                      <a:r>
+                        <a:rPr lang="nl-NL" dirty="0" smtClean="0"/>
+                        <a:t>Break</a:t>
+                      </a:r>
+                      <a:endParaRPr lang="nl-NL" dirty="0"/>
+                    </a:p>
+                  </a:txBody>
+                  <a:tcPr/>
+                </a:tc>
+                <a:tc>
+                  <a:txBody>
+                    <a:bodyPr/>
+                    <a:lstStyle/>
+                    <a:p>
+                      <a:r>
+                        <a:rPr lang="nl-NL" dirty="0" smtClean="0"/>
+                        <a:t>15:45-16:00</a:t>
+                      </a:r>
+                      <a:endParaRPr lang="nl-NL" dirty="0"/>
+                    </a:p>
+                  </a:txBody>
+                  <a:tcPr/>
+                </a:tc>
+                <a:extLst>
+                  <a:ext uri="{0D108BD9-81ED-4DB2-BD59-A6C34878D82A}">
+                    <a16:rowId xmlns:a16="http://schemas.microsoft.com/office/drawing/2014/main" val="1040003721"/>
+                  </a:ext>
+                </a:extLst>
+              </a:tr>
+              <a:tr h="316731">
+                <a:tc>
+                  <a:txBody>
+                    <a:bodyPr/>
+                    <a:lstStyle/>
+                    <a:p>
+                      <a:r>
+                        <a:rPr lang="nl-NL" dirty="0" err="1" smtClean="0"/>
+                        <a:t>Distributions</a:t>
+                      </a:r>
+                      <a:endParaRPr lang="nl-NL" dirty="0"/>
+                    </a:p>
+                  </a:txBody>
+                  <a:tcPr/>
+                </a:tc>
+                <a:tc>
+                  <a:txBody>
+                    <a:bodyPr/>
+                    <a:lstStyle/>
+                    <a:p>
+                      <a:r>
+                        <a:rPr lang="nl-NL" dirty="0" smtClean="0"/>
+                        <a:t>16:00-16:30</a:t>
+                      </a:r>
+                      <a:endParaRPr lang="nl-NL" dirty="0"/>
+                    </a:p>
+                  </a:txBody>
+                  <a:tcPr/>
+                </a:tc>
+                <a:extLst>
+                  <a:ext uri="{0D108BD9-81ED-4DB2-BD59-A6C34878D82A}">
+                    <a16:rowId xmlns:a16="http://schemas.microsoft.com/office/drawing/2014/main" val="2578576621"/>
+                  </a:ext>
+                </a:extLst>
+              </a:tr>
+              <a:tr h="316731">
+                <a:tc>
+                  <a:txBody>
+                    <a:bodyPr/>
+                    <a:lstStyle/>
+                    <a:p>
+                      <a:r>
+                        <a:rPr lang="nl-NL" dirty="0" err="1" smtClean="0"/>
+                        <a:t>Exercise</a:t>
+                      </a:r>
+                      <a:r>
+                        <a:rPr lang="nl-NL" baseline="0" dirty="0" smtClean="0"/>
+                        <a:t> 2 + solution</a:t>
+                      </a:r>
+                      <a:endParaRPr lang="nl-NL" dirty="0"/>
+                    </a:p>
+                  </a:txBody>
+                  <a:tcPr/>
+                </a:tc>
+                <a:tc>
+                  <a:txBody>
+                    <a:bodyPr/>
+                    <a:lstStyle/>
+                    <a:p>
+                      <a:r>
+                        <a:rPr lang="nl-NL" dirty="0" smtClean="0"/>
+                        <a:t>16:30</a:t>
+                      </a:r>
+                      <a:r>
+                        <a:rPr lang="nl-NL" baseline="0" dirty="0" smtClean="0"/>
+                        <a:t>- (ca) 17:30/17:45</a:t>
+                      </a:r>
+                      <a:endParaRPr lang="nl-NL" dirty="0"/>
+                    </a:p>
+                  </a:txBody>
+                  <a:tcPr/>
+                </a:tc>
+                <a:extLst>
+                  <a:ext uri="{0D108BD9-81ED-4DB2-BD59-A6C34878D82A}">
+                    <a16:rowId xmlns:a16="http://schemas.microsoft.com/office/drawing/2014/main" val="3817200721"/>
+                  </a:ext>
+                </a:extLst>
+              </a:tr>
+            </a:tbl>
+          </a:graphicData>
+        </a:graphic>
+      </p:graphicFrame>
+      <p:graphicFrame>
+        <p:nvGraphicFramePr>
+          <p:cNvPr id="5" name="Tijdelijke aanduiding voor inhoud 3"/>
+          <p:cNvGraphicFramePr>
+            <a:graphicFrameLocks/>
+          </p:cNvGraphicFramePr>
+          <p:nvPr>
+            <p:extLst>
+              <p:ext uri="{D42A27DB-BD31-4B8C-83A1-F6EECF244321}">
+                <p14:modId xmlns:p14="http://schemas.microsoft.com/office/powerpoint/2010/main" val="3901499478"/>
+              </p:ext>
+            </p:extLst>
+          </p:nvPr>
+        </p:nvGraphicFramePr>
+        <p:xfrm>
+          <a:off x="728193" y="4100397"/>
+          <a:ext cx="7915746" cy="2573705"/>
+        </p:xfrm>
+        <a:graphic>
+          <a:graphicData uri="http://schemas.openxmlformats.org/drawingml/2006/table">
+            <a:tbl>
+              <a:tblPr firstRow="1" bandRow="1">
+                <a:tableStyleId>{5C22544A-7EE6-4342-B048-85BDC9FD1C3A}</a:tableStyleId>
+              </a:tblPr>
+              <a:tblGrid>
+                <a:gridCol w="3957873">
+                  <a:extLst>
+                    <a:ext uri="{9D8B030D-6E8A-4147-A177-3AD203B41FA5}">
+                      <a16:colId xmlns:a16="http://schemas.microsoft.com/office/drawing/2014/main" val="3371091441"/>
+                    </a:ext>
+                  </a:extLst>
+                </a:gridCol>
+                <a:gridCol w="3957873">
+                  <a:extLst>
+                    <a:ext uri="{9D8B030D-6E8A-4147-A177-3AD203B41FA5}">
+                      <a16:colId xmlns:a16="http://schemas.microsoft.com/office/drawing/2014/main" val="19969068"/>
+                    </a:ext>
+                  </a:extLst>
+                </a:gridCol>
+              </a:tblGrid>
+              <a:tr h="368437">
+                <a:tc>
+                  <a:txBody>
+                    <a:bodyPr/>
+                    <a:lstStyle/>
+                    <a:p>
+                      <a:r>
+                        <a:rPr lang="nl-NL" dirty="0" smtClean="0"/>
+                        <a:t>Friday</a:t>
+                      </a:r>
+                      <a:endParaRPr lang="nl-NL" dirty="0"/>
+                    </a:p>
+                  </a:txBody>
+                  <a:tcPr/>
+                </a:tc>
+                <a:tc>
+                  <a:txBody>
+                    <a:bodyPr/>
+                    <a:lstStyle/>
+                    <a:p>
+                      <a:endParaRPr lang="nl-NL"/>
+                    </a:p>
+                  </a:txBody>
+                  <a:tcPr/>
+                </a:tc>
+                <a:extLst>
+                  <a:ext uri="{0D108BD9-81ED-4DB2-BD59-A6C34878D82A}">
+                    <a16:rowId xmlns:a16="http://schemas.microsoft.com/office/drawing/2014/main" val="581644146"/>
+                  </a:ext>
+                </a:extLst>
+              </a:tr>
+              <a:tr h="368437">
+                <a:tc>
+                  <a:txBody>
+                    <a:bodyPr/>
+                    <a:lstStyle/>
+                    <a:p>
+                      <a:r>
+                        <a:rPr lang="nl-NL" dirty="0" smtClean="0"/>
+                        <a:t>Course </a:t>
+                      </a:r>
+                      <a:r>
+                        <a:rPr lang="nl-NL" dirty="0" err="1" smtClean="0"/>
+                        <a:t>overview</a:t>
+                      </a:r>
+                      <a:r>
+                        <a:rPr lang="nl-NL" dirty="0" smtClean="0"/>
+                        <a:t> &amp;</a:t>
+                      </a:r>
+                      <a:r>
+                        <a:rPr lang="nl-NL" baseline="0" dirty="0" smtClean="0"/>
+                        <a:t> data cleaning</a:t>
+                      </a:r>
+                      <a:endParaRPr lang="nl-NL" dirty="0"/>
+                    </a:p>
+                  </a:txBody>
+                  <a:tcPr/>
+                </a:tc>
+                <a:tc>
+                  <a:txBody>
+                    <a:bodyPr/>
+                    <a:lstStyle/>
+                    <a:p>
+                      <a:r>
+                        <a:rPr lang="nl-NL" dirty="0" smtClean="0"/>
+                        <a:t>9:30-10:15</a:t>
+                      </a:r>
+                      <a:endParaRPr lang="nl-NL" dirty="0"/>
+                    </a:p>
+                  </a:txBody>
+                  <a:tcPr/>
+                </a:tc>
+                <a:extLst>
+                  <a:ext uri="{0D108BD9-81ED-4DB2-BD59-A6C34878D82A}">
+                    <a16:rowId xmlns:a16="http://schemas.microsoft.com/office/drawing/2014/main" val="3173106563"/>
+                  </a:ext>
+                </a:extLst>
+              </a:tr>
+              <a:tr h="368437">
+                <a:tc>
+                  <a:txBody>
+                    <a:bodyPr/>
+                    <a:lstStyle/>
+                    <a:p>
+                      <a:r>
+                        <a:rPr lang="nl-NL" dirty="0" smtClean="0"/>
+                        <a:t>Short</a:t>
+                      </a:r>
+                      <a:r>
+                        <a:rPr lang="nl-NL" baseline="0" dirty="0" smtClean="0"/>
+                        <a:t> break</a:t>
+                      </a:r>
+                      <a:endParaRPr lang="nl-NL" dirty="0"/>
+                    </a:p>
+                  </a:txBody>
+                  <a:tcPr/>
+                </a:tc>
+                <a:tc>
+                  <a:txBody>
+                    <a:bodyPr/>
+                    <a:lstStyle/>
+                    <a:p>
+                      <a:r>
+                        <a:rPr lang="nl-NL" dirty="0" smtClean="0"/>
+                        <a:t>10:15-10:20</a:t>
+                      </a:r>
+                      <a:endParaRPr lang="nl-NL" dirty="0"/>
+                    </a:p>
+                  </a:txBody>
+                  <a:tcPr/>
+                </a:tc>
+                <a:extLst>
+                  <a:ext uri="{0D108BD9-81ED-4DB2-BD59-A6C34878D82A}">
+                    <a16:rowId xmlns:a16="http://schemas.microsoft.com/office/drawing/2014/main" val="2048094668"/>
+                  </a:ext>
+                </a:extLst>
+              </a:tr>
+              <a:tr h="368437">
+                <a:tc>
+                  <a:txBody>
+                    <a:bodyPr/>
+                    <a:lstStyle/>
+                    <a:p>
+                      <a:r>
+                        <a:rPr lang="nl-NL" dirty="0" err="1" smtClean="0"/>
+                        <a:t>Exercise</a:t>
+                      </a:r>
+                      <a:r>
+                        <a:rPr lang="nl-NL" dirty="0" smtClean="0"/>
+                        <a:t> 1 + solution</a:t>
+                      </a:r>
+                      <a:endParaRPr lang="nl-NL" dirty="0"/>
+                    </a:p>
+                  </a:txBody>
+                  <a:tcPr/>
+                </a:tc>
+                <a:tc>
+                  <a:txBody>
+                    <a:bodyPr/>
+                    <a:lstStyle/>
+                    <a:p>
+                      <a:r>
+                        <a:rPr lang="nl-NL" dirty="0" smtClean="0"/>
+                        <a:t>10:25-11:15</a:t>
+                      </a:r>
+                      <a:endParaRPr lang="nl-NL" dirty="0"/>
+                    </a:p>
+                  </a:txBody>
+                  <a:tcPr/>
+                </a:tc>
+                <a:extLst>
+                  <a:ext uri="{0D108BD9-81ED-4DB2-BD59-A6C34878D82A}">
+                    <a16:rowId xmlns:a16="http://schemas.microsoft.com/office/drawing/2014/main" val="3338564638"/>
+                  </a:ext>
+                </a:extLst>
+              </a:tr>
+              <a:tr h="368437">
+                <a:tc>
+                  <a:txBody>
+                    <a:bodyPr/>
+                    <a:lstStyle/>
+                    <a:p>
+                      <a:r>
+                        <a:rPr lang="nl-NL" dirty="0" smtClean="0"/>
+                        <a:t>Break</a:t>
+                      </a:r>
+                      <a:endParaRPr lang="nl-NL" dirty="0"/>
+                    </a:p>
+                  </a:txBody>
+                  <a:tcPr/>
+                </a:tc>
+                <a:tc>
+                  <a:txBody>
+                    <a:bodyPr/>
+                    <a:lstStyle/>
+                    <a:p>
+                      <a:r>
+                        <a:rPr lang="nl-NL" dirty="0" smtClean="0"/>
+                        <a:t>11:15-11:30</a:t>
+                      </a:r>
+                      <a:endParaRPr lang="nl-NL" dirty="0"/>
+                    </a:p>
+                  </a:txBody>
+                  <a:tcPr/>
+                </a:tc>
+                <a:extLst>
+                  <a:ext uri="{0D108BD9-81ED-4DB2-BD59-A6C34878D82A}">
+                    <a16:rowId xmlns:a16="http://schemas.microsoft.com/office/drawing/2014/main" val="1040003721"/>
+                  </a:ext>
+                </a:extLst>
+              </a:tr>
+              <a:tr h="363389">
+                <a:tc>
+                  <a:txBody>
+                    <a:bodyPr/>
+                    <a:lstStyle/>
+                    <a:p>
+                      <a:r>
+                        <a:rPr lang="nl-NL" dirty="0" err="1" smtClean="0"/>
+                        <a:t>Distributions</a:t>
+                      </a:r>
+                      <a:endParaRPr lang="nl-NL" dirty="0"/>
+                    </a:p>
+                  </a:txBody>
+                  <a:tcPr/>
+                </a:tc>
+                <a:tc>
+                  <a:txBody>
+                    <a:bodyPr/>
+                    <a:lstStyle/>
+                    <a:p>
+                      <a:r>
+                        <a:rPr lang="nl-NL" dirty="0" smtClean="0"/>
+                        <a:t>11:30-12:00</a:t>
+                      </a:r>
+                      <a:endParaRPr lang="nl-NL" dirty="0"/>
+                    </a:p>
+                  </a:txBody>
+                  <a:tcPr/>
+                </a:tc>
+                <a:extLst>
+                  <a:ext uri="{0D108BD9-81ED-4DB2-BD59-A6C34878D82A}">
+                    <a16:rowId xmlns:a16="http://schemas.microsoft.com/office/drawing/2014/main" val="2578576621"/>
+                  </a:ext>
+                </a:extLst>
+              </a:tr>
+              <a:tr h="363389">
+                <a:tc>
+                  <a:txBody>
+                    <a:bodyPr/>
+                    <a:lstStyle/>
+                    <a:p>
+                      <a:r>
+                        <a:rPr lang="nl-NL" dirty="0" err="1" smtClean="0"/>
+                        <a:t>Exercise</a:t>
+                      </a:r>
+                      <a:r>
+                        <a:rPr lang="nl-NL" baseline="0" dirty="0" smtClean="0"/>
+                        <a:t> 2 + solution</a:t>
+                      </a:r>
+                      <a:endParaRPr lang="nl-NL" dirty="0"/>
+                    </a:p>
+                  </a:txBody>
+                  <a:tcPr/>
+                </a:tc>
+                <a:tc>
+                  <a:txBody>
+                    <a:bodyPr/>
+                    <a:lstStyle/>
+                    <a:p>
+                      <a:r>
+                        <a:rPr lang="nl-NL" dirty="0" smtClean="0"/>
+                        <a:t>12:00- (ca)</a:t>
+                      </a:r>
+                      <a:r>
+                        <a:rPr lang="nl-NL" baseline="0" dirty="0" smtClean="0"/>
+                        <a:t> 13:00/13:15</a:t>
+                      </a:r>
+                      <a:endParaRPr lang="nl-NL" dirty="0"/>
+                    </a:p>
+                  </a:txBody>
+                  <a:tcPr/>
+                </a:tc>
+                <a:extLst>
+                  <a:ext uri="{0D108BD9-81ED-4DB2-BD59-A6C34878D82A}">
+                    <a16:rowId xmlns:a16="http://schemas.microsoft.com/office/drawing/2014/main" val="3817200721"/>
+                  </a:ext>
+                </a:extLst>
+              </a:tr>
+            </a:tbl>
+          </a:graphicData>
+        </a:graphic>
+      </p:graphicFrame>
+    </p:spTree>
+    <p:extLst>
+      <p:ext uri="{BB962C8B-B14F-4D97-AF65-F5344CB8AC3E}">
+        <p14:creationId xmlns:p14="http://schemas.microsoft.com/office/powerpoint/2010/main" val="4001771713"/>
+      </p:ext>
+    </p:extLst>
+  </p:cSld>
+  <p:clrMapOvr>
+    <a:masterClrMapping/>
+  </p:clrMapOvr>
 </p:sld>
 </file>
 
@@ -21801,18 +22657,10 @@
               <a:rPr lang="nl-NL" sz="2000" dirty="0" err="1" smtClean="0"/>
               <a:t>assignments</a:t>
             </a:r>
-            <a:r>
-              <a:rPr lang="nl-NL" sz="2000" dirty="0" smtClean="0"/>
-              <a:t>, deadline on </a:t>
-            </a:r>
-            <a:r>
-              <a:rPr lang="nl-NL" sz="2000" dirty="0" err="1" smtClean="0"/>
-              <a:t>Tuesday</a:t>
-            </a:r>
+            <a:endParaRPr lang="nl-NL" sz="2000" dirty="0"/>
+          </a:p>
+          <a:p>
             <a:endParaRPr lang="nl-NL" sz="2000" dirty="0" smtClean="0"/>
-          </a:p>
-          <a:p>
-            <a:endParaRPr lang="nl-NL" sz="2000" dirty="0"/>
           </a:p>
           <a:p>
             <a:r>
@@ -21866,7 +22714,7 @@
             </a:r>
             <a:r>
               <a:rPr lang="nl-NL" sz="2000" dirty="0" smtClean="0"/>
-              <a:t> in the Slack (link </a:t>
+              <a:t> on Teams (link </a:t>
             </a:r>
             <a:r>
               <a:rPr lang="nl-NL" sz="2000" dirty="0" err="1" smtClean="0"/>
@@ -22036,7 +22884,7 @@
         <p:spPr>
           <a:xfrm>
             <a:off x="762000" y="1762125"/>
-            <a:ext cx="7881938" cy="5472267"/>
+            <a:ext cx="7881938" cy="3982629"/>
           </a:xfrm>
         </p:spPr>
         <p:txBody>
@@ -22176,123 +23024,48 @@
             </a:r>
             <a:r>
               <a:rPr lang="nl-NL" sz="1600" dirty="0"/>
-              <a:t> GDPR)</a:t>
-            </a:r>
+              <a:t> GDPR</a:t>
+            </a:r>
+            <a:r>
+              <a:rPr lang="nl-NL" sz="1600" dirty="0" smtClean="0"/>
+              <a:t>)</a:t>
+            </a:r>
+          </a:p>
+          <a:p>
+            <a:pPr lvl="1"/>
+            <a:r>
+              <a:rPr lang="nl-NL" sz="1600" dirty="0" err="1" smtClean="0"/>
+              <a:t>Collaboration</a:t>
+            </a:r>
+            <a:r>
+              <a:rPr lang="nl-NL" sz="1600" dirty="0" smtClean="0"/>
+              <a:t> </a:t>
+            </a:r>
+            <a:r>
+              <a:rPr lang="nl-NL" sz="1600" dirty="0" err="1" smtClean="0"/>
+              <a:t>with</a:t>
+            </a:r>
+            <a:r>
+              <a:rPr lang="nl-NL" sz="1600" dirty="0" smtClean="0"/>
+              <a:t> research </a:t>
+            </a:r>
+            <a:r>
+              <a:rPr lang="nl-NL" sz="1600" dirty="0" err="1" smtClean="0"/>
+              <a:t>group</a:t>
+            </a:r>
+            <a:r>
+              <a:rPr lang="nl-NL" sz="1600" dirty="0" smtClean="0"/>
+              <a:t> AI</a:t>
+            </a:r>
+            <a:endParaRPr lang="nl-NL" sz="1600" dirty="0"/>
           </a:p>
           <a:p>
             <a:endParaRPr lang="nl-NL" sz="2000" dirty="0" smtClean="0"/>
           </a:p>
           <a:p>
             <a:r>
-              <a:rPr lang="nl-NL" sz="2000" dirty="0" err="1" smtClean="0"/>
-              <a:t>Work</a:t>
-            </a:r>
-            <a:r>
               <a:rPr lang="nl-NL" sz="2000" dirty="0" smtClean="0"/>
-              <a:t> in peer feedback </a:t>
-            </a:r>
-            <a:r>
-              <a:rPr lang="nl-NL" sz="2000" dirty="0" err="1" smtClean="0"/>
-              <a:t>groups</a:t>
-            </a:r>
-            <a:r>
-              <a:rPr lang="nl-NL" sz="2000" dirty="0" smtClean="0"/>
-              <a:t> of 4 </a:t>
-            </a:r>
-            <a:r>
-              <a:rPr lang="nl-NL" sz="2000" dirty="0" err="1" smtClean="0"/>
-              <a:t>created</a:t>
-            </a:r>
-            <a:r>
-              <a:rPr lang="nl-NL" sz="2000" dirty="0" smtClean="0"/>
-              <a:t> </a:t>
-            </a:r>
-            <a:r>
-              <a:rPr lang="nl-NL" sz="2000" dirty="0" err="1" smtClean="0"/>
-              <a:t>by</a:t>
-            </a:r>
-            <a:r>
-              <a:rPr lang="nl-NL" sz="2000" dirty="0" smtClean="0"/>
-              <a:t> me</a:t>
-            </a:r>
-          </a:p>
-          <a:p>
-            <a:endParaRPr lang="nl-NL" sz="2000" dirty="0"/>
-          </a:p>
-          <a:p>
-            <a:r>
-              <a:rPr lang="nl-NL" sz="2000" dirty="0" smtClean="0"/>
-              <a:t>In </a:t>
-            </a:r>
-            <a:r>
-              <a:rPr lang="nl-NL" sz="2000" dirty="0" err="1" smtClean="0"/>
-              <a:t>your</a:t>
-            </a:r>
-            <a:r>
-              <a:rPr lang="nl-NL" sz="2000" dirty="0" smtClean="0"/>
-              <a:t> </a:t>
-            </a:r>
-            <a:r>
-              <a:rPr lang="nl-NL" sz="2000" dirty="0" err="1" smtClean="0"/>
-              <a:t>group</a:t>
-            </a:r>
-            <a:r>
-              <a:rPr lang="nl-NL" sz="2000" dirty="0" smtClean="0"/>
-              <a:t>, </a:t>
-            </a:r>
-            <a:r>
-              <a:rPr lang="nl-NL" sz="2000" dirty="0" err="1" smtClean="0"/>
-              <a:t>work</a:t>
-            </a:r>
-            <a:r>
-              <a:rPr lang="nl-NL" sz="2000" dirty="0" smtClean="0"/>
-              <a:t> on </a:t>
-            </a:r>
-            <a:r>
-              <a:rPr lang="nl-NL" sz="2000" dirty="0" err="1" smtClean="0"/>
-              <a:t>assignments</a:t>
-            </a:r>
-            <a:r>
-              <a:rPr lang="nl-NL" sz="2000" dirty="0" smtClean="0"/>
-              <a:t> </a:t>
-            </a:r>
-            <a:r>
-              <a:rPr lang="nl-NL" sz="2000" dirty="0" err="1" smtClean="0"/>
-              <a:t>during</a:t>
-            </a:r>
-            <a:r>
-              <a:rPr lang="nl-NL" sz="2000" dirty="0" smtClean="0"/>
-              <a:t> workshop </a:t>
-            </a:r>
-            <a:r>
-              <a:rPr lang="nl-NL" sz="2000" dirty="0" err="1" smtClean="0"/>
-              <a:t>hours</a:t>
-            </a:r>
-            <a:endParaRPr lang="nl-NL" sz="2000" dirty="0" smtClean="0"/>
-          </a:p>
-          <a:p>
-            <a:endParaRPr lang="nl-NL" sz="2000" dirty="0"/>
-          </a:p>
-          <a:p>
-            <a:r>
-              <a:rPr lang="nl-NL" sz="2000" dirty="0" smtClean="0"/>
-              <a:t>Poster </a:t>
-            </a:r>
-            <a:r>
-              <a:rPr lang="nl-NL" sz="2000" dirty="0" err="1" smtClean="0"/>
-              <a:t>presentation</a:t>
-            </a:r>
-            <a:r>
-              <a:rPr lang="nl-NL" sz="2000" dirty="0" smtClean="0"/>
-              <a:t> on </a:t>
-            </a:r>
-            <a:r>
-              <a:rPr lang="nl-NL" sz="2000" dirty="0" err="1" smtClean="0"/>
-              <a:t>Thursday</a:t>
-            </a:r>
-            <a:r>
-              <a:rPr lang="nl-NL" sz="2000" dirty="0" smtClean="0"/>
-              <a:t> week 9 (23 Jan), deadline Friday (24 Jan)</a:t>
+              <a:t>Online symposium in week 9</a:t>
             </a:r>
           </a:p>
           <a:p>
